--- a/FEWorkshop-Week3.pptx
+++ b/FEWorkshop-Week3.pptx
@@ -6,7 +6,7 @@
     <p:sldMasterId id="2147483757" r:id="rId5"/>
   </p:sldMasterIdLst>
   <p:notesMasterIdLst>
-    <p:notesMasterId r:id="rId19"/>
+    <p:notesMasterId r:id="rId18"/>
   </p:notesMasterIdLst>
   <p:sldIdLst>
     <p:sldId id="277" r:id="rId6"/>
@@ -19,9 +19,8 @@
     <p:sldId id="339" r:id="rId13"/>
     <p:sldId id="341" r:id="rId14"/>
     <p:sldId id="342" r:id="rId15"/>
-    <p:sldId id="321" r:id="rId16"/>
-    <p:sldId id="313" r:id="rId17"/>
-    <p:sldId id="323" r:id="rId18"/>
+    <p:sldId id="313" r:id="rId16"/>
+    <p:sldId id="323" r:id="rId17"/>
   </p:sldIdLst>
   <p:sldSz cx="12192000" cy="6858000"/>
   <p:notesSz cx="6858000" cy="9144000"/>
@@ -1099,7 +1098,7 @@
               <a:ea typeface="DIN Alternate" charset="0"/>
               <a:cs typeface="DIN Alternate" charset="0"/>
             </a:rPr>
-            <a:t>Mobile-first, using media queries</a:t>
+            <a:t>Responsive design</a:t>
           </a:r>
           <a:endParaRPr lang="en-US" dirty="0">
             <a:latin typeface="DIN Alternate" charset="0"/>
@@ -1139,6 +1138,51 @@
         </a:p>
       </dgm:t>
     </dgm:pt>
+    <dgm:pt modelId="{C6C702DD-7C5C-6941-8A58-FB818D4BF95A}">
+      <dgm:prSet/>
+      <dgm:spPr/>
+      <dgm:t>
+        <a:bodyPr/>
+        <a:lstStyle/>
+        <a:p>
+          <a:r>
+            <a:rPr lang="en-US" dirty="0" smtClean="0">
+              <a:latin typeface="DIN Alternate" charset="0"/>
+              <a:ea typeface="DIN Alternate" charset="0"/>
+              <a:cs typeface="DIN Alternate" charset="0"/>
+            </a:rPr>
+            <a:t>Adaptive design</a:t>
+          </a:r>
+          <a:endParaRPr lang="en-US" dirty="0">
+            <a:latin typeface="DIN Alternate" charset="0"/>
+            <a:ea typeface="DIN Alternate" charset="0"/>
+            <a:cs typeface="DIN Alternate" charset="0"/>
+          </a:endParaRPr>
+        </a:p>
+      </dgm:t>
+    </dgm:pt>
+    <dgm:pt modelId="{CBEFAE92-E18C-BB40-98F1-6190098BF662}" type="parTrans" cxnId="{856C9593-B2F6-F740-909A-856A61481BD0}">
+      <dgm:prSet/>
+      <dgm:spPr/>
+      <dgm:t>
+        <a:bodyPr/>
+        <a:lstStyle/>
+        <a:p>
+          <a:endParaRPr lang="en-US"/>
+        </a:p>
+      </dgm:t>
+    </dgm:pt>
+    <dgm:pt modelId="{89715793-9F78-9248-8C04-D840B133F6E6}" type="sibTrans" cxnId="{856C9593-B2F6-F740-909A-856A61481BD0}">
+      <dgm:prSet/>
+      <dgm:spPr/>
+      <dgm:t>
+        <a:bodyPr/>
+        <a:lstStyle/>
+        <a:p>
+          <a:endParaRPr lang="en-US"/>
+        </a:p>
+      </dgm:t>
+    </dgm:pt>
     <dgm:pt modelId="{457FF287-4337-564C-814C-B6F01587AF6A}" type="pres">
       <dgm:prSet presAssocID="{E5DB0069-D447-2E49-B01C-266BF109E856}" presName="Name0" presStyleCnt="0">
         <dgm:presLayoutVars>
@@ -1147,41 +1191,90 @@
         </dgm:presLayoutVars>
       </dgm:prSet>
       <dgm:spPr/>
+      <dgm:t>
+        <a:bodyPr/>
+        <a:lstStyle/>
+        <a:p>
+          <a:endParaRPr lang="en-US"/>
+        </a:p>
+      </dgm:t>
     </dgm:pt>
     <dgm:pt modelId="{CE2A30D1-9EF8-8C4B-867C-FC31270FDEBE}" type="pres">
-      <dgm:prSet presAssocID="{7F794B0C-2CEC-224D-8A1A-533C64DB7A20}" presName="node" presStyleLbl="node1" presStyleIdx="0" presStyleCnt="4">
+      <dgm:prSet presAssocID="{7F794B0C-2CEC-224D-8A1A-533C64DB7A20}" presName="node" presStyleLbl="node1" presStyleIdx="0" presStyleCnt="5">
         <dgm:presLayoutVars>
           <dgm:bulletEnabled val="1"/>
         </dgm:presLayoutVars>
       </dgm:prSet>
       <dgm:spPr/>
+      <dgm:t>
+        <a:bodyPr/>
+        <a:lstStyle/>
+        <a:p>
+          <a:endParaRPr lang="en-US"/>
+        </a:p>
+      </dgm:t>
     </dgm:pt>
     <dgm:pt modelId="{6A8F602D-D71F-864A-B24F-AF80FBE6E9A6}" type="pres">
-      <dgm:prSet presAssocID="{061DD346-8485-B44D-B1CD-74CEEF96C098}" presName="sibTrans" presStyleLbl="sibTrans2D1" presStyleIdx="0" presStyleCnt="3"/>
+      <dgm:prSet presAssocID="{061DD346-8485-B44D-B1CD-74CEEF96C098}" presName="sibTrans" presStyleLbl="sibTrans2D1" presStyleIdx="0" presStyleCnt="4"/>
       <dgm:spPr/>
+      <dgm:t>
+        <a:bodyPr/>
+        <a:lstStyle/>
+        <a:p>
+          <a:endParaRPr lang="en-US"/>
+        </a:p>
+      </dgm:t>
     </dgm:pt>
     <dgm:pt modelId="{4AF72881-41FB-3742-A868-1DD811E38A8C}" type="pres">
-      <dgm:prSet presAssocID="{061DD346-8485-B44D-B1CD-74CEEF96C098}" presName="connectorText" presStyleLbl="sibTrans2D1" presStyleIdx="0" presStyleCnt="3"/>
+      <dgm:prSet presAssocID="{061DD346-8485-B44D-B1CD-74CEEF96C098}" presName="connectorText" presStyleLbl="sibTrans2D1" presStyleIdx="0" presStyleCnt="4"/>
       <dgm:spPr/>
+      <dgm:t>
+        <a:bodyPr/>
+        <a:lstStyle/>
+        <a:p>
+          <a:endParaRPr lang="en-US"/>
+        </a:p>
+      </dgm:t>
     </dgm:pt>
     <dgm:pt modelId="{9FADE50D-078A-3E4C-8150-F4C34A9AA4E4}" type="pres">
-      <dgm:prSet presAssocID="{2AE3147D-A136-D54E-A6C4-EC4D5C9EA3F0}" presName="node" presStyleLbl="node1" presStyleIdx="1" presStyleCnt="4">
+      <dgm:prSet presAssocID="{2AE3147D-A136-D54E-A6C4-EC4D5C9EA3F0}" presName="node" presStyleLbl="node1" presStyleIdx="1" presStyleCnt="5">
         <dgm:presLayoutVars>
           <dgm:bulletEnabled val="1"/>
         </dgm:presLayoutVars>
       </dgm:prSet>
       <dgm:spPr/>
+      <dgm:t>
+        <a:bodyPr/>
+        <a:lstStyle/>
+        <a:p>
+          <a:endParaRPr lang="en-US"/>
+        </a:p>
+      </dgm:t>
     </dgm:pt>
     <dgm:pt modelId="{C069EF10-33BE-F045-8E1C-DFF0AADFFBF9}" type="pres">
-      <dgm:prSet presAssocID="{82B0F824-B5E4-5B4D-AD6D-F9074543579C}" presName="sibTrans" presStyleLbl="sibTrans2D1" presStyleIdx="1" presStyleCnt="3"/>
+      <dgm:prSet presAssocID="{82B0F824-B5E4-5B4D-AD6D-F9074543579C}" presName="sibTrans" presStyleLbl="sibTrans2D1" presStyleIdx="1" presStyleCnt="4"/>
       <dgm:spPr/>
+      <dgm:t>
+        <a:bodyPr/>
+        <a:lstStyle/>
+        <a:p>
+          <a:endParaRPr lang="en-US"/>
+        </a:p>
+      </dgm:t>
     </dgm:pt>
     <dgm:pt modelId="{D7C2A2A9-77CF-3348-B5D0-9653F34C12A8}" type="pres">
-      <dgm:prSet presAssocID="{82B0F824-B5E4-5B4D-AD6D-F9074543579C}" presName="connectorText" presStyleLbl="sibTrans2D1" presStyleIdx="1" presStyleCnt="3"/>
+      <dgm:prSet presAssocID="{82B0F824-B5E4-5B4D-AD6D-F9074543579C}" presName="connectorText" presStyleLbl="sibTrans2D1" presStyleIdx="1" presStyleCnt="4"/>
       <dgm:spPr/>
+      <dgm:t>
+        <a:bodyPr/>
+        <a:lstStyle/>
+        <a:p>
+          <a:endParaRPr lang="en-US"/>
+        </a:p>
+      </dgm:t>
     </dgm:pt>
     <dgm:pt modelId="{9C432A3F-25EB-DC41-B6C0-18FC8582CD58}" type="pres">
-      <dgm:prSet presAssocID="{0DBADFF7-AFB7-274F-A8D4-8C143D809335}" presName="node" presStyleLbl="node1" presStyleIdx="2" presStyleCnt="4">
+      <dgm:prSet presAssocID="{0DBADFF7-AFB7-274F-A8D4-8C143D809335}" presName="node" presStyleLbl="node1" presStyleIdx="2" presStyleCnt="5">
         <dgm:presLayoutVars>
           <dgm:bulletEnabled val="1"/>
         </dgm:presLayoutVars>
@@ -1196,15 +1289,52 @@
       </dgm:t>
     </dgm:pt>
     <dgm:pt modelId="{6BB4C29A-937F-7F44-A84B-8C008CDD3B88}" type="pres">
-      <dgm:prSet presAssocID="{3554FD88-800C-D047-8BD8-AEF6FBBBFEDB}" presName="sibTrans" presStyleLbl="sibTrans2D1" presStyleIdx="2" presStyleCnt="3"/>
+      <dgm:prSet presAssocID="{3554FD88-800C-D047-8BD8-AEF6FBBBFEDB}" presName="sibTrans" presStyleLbl="sibTrans2D1" presStyleIdx="2" presStyleCnt="4"/>
+      <dgm:spPr/>
+      <dgm:t>
+        <a:bodyPr/>
+        <a:lstStyle/>
+        <a:p>
+          <a:endParaRPr lang="en-US"/>
+        </a:p>
+      </dgm:t>
+    </dgm:pt>
+    <dgm:pt modelId="{622B45E8-CF2D-264E-A703-C655C84CAD52}" type="pres">
+      <dgm:prSet presAssocID="{3554FD88-800C-D047-8BD8-AEF6FBBBFEDB}" presName="connectorText" presStyleLbl="sibTrans2D1" presStyleIdx="2" presStyleCnt="4"/>
+      <dgm:spPr/>
+      <dgm:t>
+        <a:bodyPr/>
+        <a:lstStyle/>
+        <a:p>
+          <a:endParaRPr lang="en-US"/>
+        </a:p>
+      </dgm:t>
+    </dgm:pt>
+    <dgm:pt modelId="{ABA8C162-A135-E14B-8089-C3529CD42301}" type="pres">
+      <dgm:prSet presAssocID="{C6C702DD-7C5C-6941-8A58-FB818D4BF95A}" presName="node" presStyleLbl="node1" presStyleIdx="3" presStyleCnt="5">
+        <dgm:presLayoutVars>
+          <dgm:bulletEnabled val="1"/>
+        </dgm:presLayoutVars>
+      </dgm:prSet>
+      <dgm:spPr/>
+      <dgm:t>
+        <a:bodyPr/>
+        <a:lstStyle/>
+        <a:p>
+          <a:endParaRPr lang="en-US"/>
+        </a:p>
+      </dgm:t>
+    </dgm:pt>
+    <dgm:pt modelId="{3624EF35-E4C5-B64A-A700-2DA07AB7B079}" type="pres">
+      <dgm:prSet presAssocID="{89715793-9F78-9248-8C04-D840B133F6E6}" presName="sibTrans" presStyleLbl="sibTrans2D1" presStyleIdx="3" presStyleCnt="4"/>
       <dgm:spPr/>
     </dgm:pt>
-    <dgm:pt modelId="{622B45E8-CF2D-264E-A703-C655C84CAD52}" type="pres">
-      <dgm:prSet presAssocID="{3554FD88-800C-D047-8BD8-AEF6FBBBFEDB}" presName="connectorText" presStyleLbl="sibTrans2D1" presStyleIdx="2" presStyleCnt="3"/>
+    <dgm:pt modelId="{54D29742-5ED2-3148-A145-E078A69BCB1C}" type="pres">
+      <dgm:prSet presAssocID="{89715793-9F78-9248-8C04-D840B133F6E6}" presName="connectorText" presStyleLbl="sibTrans2D1" presStyleIdx="3" presStyleCnt="4"/>
       <dgm:spPr/>
     </dgm:pt>
     <dgm:pt modelId="{0599AE04-8B7B-F84E-BA3A-6F597C6D10DC}" type="pres">
-      <dgm:prSet presAssocID="{CE355416-CF16-744B-A1AE-818325B988AB}" presName="node" presStyleLbl="node1" presStyleIdx="3" presStyleCnt="4">
+      <dgm:prSet presAssocID="{CE355416-CF16-744B-A1AE-818325B988AB}" presName="node" presStyleLbl="node1" presStyleIdx="4" presStyleCnt="5">
         <dgm:presLayoutVars>
           <dgm:bulletEnabled val="1"/>
         </dgm:presLayoutVars>
@@ -1220,17 +1350,21 @@
     </dgm:pt>
   </dgm:ptLst>
   <dgm:cxnLst>
-    <dgm:cxn modelId="{6F28EB82-472E-3043-BBFD-A9E37359F018}" srcId="{E5DB0069-D447-2E49-B01C-266BF109E856}" destId="{CE355416-CF16-744B-A1AE-818325B988AB}" srcOrd="3" destOrd="0" parTransId="{A4F004E8-A12C-184A-9484-82A669AAF2C0}" sibTransId="{3442BB46-77A3-E140-A6F5-085D5C0D5298}"/>
+    <dgm:cxn modelId="{B8D8E800-9EC3-A844-9A2C-8B35025194C0}" type="presOf" srcId="{C6C702DD-7C5C-6941-8A58-FB818D4BF95A}" destId="{ABA8C162-A135-E14B-8089-C3529CD42301}" srcOrd="0" destOrd="0" presId="urn:microsoft.com/office/officeart/2005/8/layout/process1"/>
+    <dgm:cxn modelId="{6F28EB82-472E-3043-BBFD-A9E37359F018}" srcId="{E5DB0069-D447-2E49-B01C-266BF109E856}" destId="{CE355416-CF16-744B-A1AE-818325B988AB}" srcOrd="4" destOrd="0" parTransId="{A4F004E8-A12C-184A-9484-82A669AAF2C0}" sibTransId="{3442BB46-77A3-E140-A6F5-085D5C0D5298}"/>
     <dgm:cxn modelId="{38D4671C-9801-5741-B788-24874DF4DE54}" type="presOf" srcId="{7F794B0C-2CEC-224D-8A1A-533C64DB7A20}" destId="{CE2A30D1-9EF8-8C4B-867C-FC31270FDEBE}" srcOrd="0" destOrd="0" presId="urn:microsoft.com/office/officeart/2005/8/layout/process1"/>
     <dgm:cxn modelId="{86D01473-FF31-7F49-90BB-134936207EAE}" type="presOf" srcId="{2AE3147D-A136-D54E-A6C4-EC4D5C9EA3F0}" destId="{9FADE50D-078A-3E4C-8150-F4C34A9AA4E4}" srcOrd="0" destOrd="0" presId="urn:microsoft.com/office/officeart/2005/8/layout/process1"/>
     <dgm:cxn modelId="{D736E273-C35E-7D4E-9F63-47DB6032335E}" srcId="{E5DB0069-D447-2E49-B01C-266BF109E856}" destId="{7F794B0C-2CEC-224D-8A1A-533C64DB7A20}" srcOrd="0" destOrd="0" parTransId="{2341409D-DBB5-9A43-82D7-A6B9676211D0}" sibTransId="{061DD346-8485-B44D-B1CD-74CEEF96C098}"/>
     <dgm:cxn modelId="{4446DA43-7D76-6A43-95D9-399E57ED01D0}" type="presOf" srcId="{CE355416-CF16-744B-A1AE-818325B988AB}" destId="{0599AE04-8B7B-F84E-BA3A-6F597C6D10DC}" srcOrd="0" destOrd="0" presId="urn:microsoft.com/office/officeart/2005/8/layout/process1"/>
+    <dgm:cxn modelId="{5DB8660A-E948-DC43-94DE-6059C512F36D}" type="presOf" srcId="{89715793-9F78-9248-8C04-D840B133F6E6}" destId="{3624EF35-E4C5-B64A-A700-2DA07AB7B079}" srcOrd="0" destOrd="0" presId="urn:microsoft.com/office/officeart/2005/8/layout/process1"/>
+    <dgm:cxn modelId="{2410B5A9-B31C-D846-9EE2-8C7A404229D7}" type="presOf" srcId="{89715793-9F78-9248-8C04-D840B133F6E6}" destId="{54D29742-5ED2-3148-A145-E078A69BCB1C}" srcOrd="1" destOrd="0" presId="urn:microsoft.com/office/officeart/2005/8/layout/process1"/>
+    <dgm:cxn modelId="{CD099A7B-5BC5-104A-9B27-64846710CE90}" type="presOf" srcId="{3554FD88-800C-D047-8BD8-AEF6FBBBFEDB}" destId="{6BB4C29A-937F-7F44-A84B-8C008CDD3B88}" srcOrd="0" destOrd="0" presId="urn:microsoft.com/office/officeart/2005/8/layout/process1"/>
     <dgm:cxn modelId="{747C6735-5D6A-DD43-881C-A4F8823559DC}" srcId="{E5DB0069-D447-2E49-B01C-266BF109E856}" destId="{2AE3147D-A136-D54E-A6C4-EC4D5C9EA3F0}" srcOrd="1" destOrd="0" parTransId="{E0291257-7696-6642-BBC6-04B36D724011}" sibTransId="{82B0F824-B5E4-5B4D-AD6D-F9074543579C}"/>
-    <dgm:cxn modelId="{CD099A7B-5BC5-104A-9B27-64846710CE90}" type="presOf" srcId="{3554FD88-800C-D047-8BD8-AEF6FBBBFEDB}" destId="{6BB4C29A-937F-7F44-A84B-8C008CDD3B88}" srcOrd="0" destOrd="0" presId="urn:microsoft.com/office/officeart/2005/8/layout/process1"/>
     <dgm:cxn modelId="{423A9F20-55B9-6543-A19E-701F22AB98A8}" type="presOf" srcId="{061DD346-8485-B44D-B1CD-74CEEF96C098}" destId="{4AF72881-41FB-3742-A868-1DD811E38A8C}" srcOrd="1" destOrd="0" presId="urn:microsoft.com/office/officeart/2005/8/layout/process1"/>
     <dgm:cxn modelId="{AE3E23FA-9685-7D4C-BF99-2BEB253A5DBC}" type="presOf" srcId="{0DBADFF7-AFB7-274F-A8D4-8C143D809335}" destId="{9C432A3F-25EB-DC41-B6C0-18FC8582CD58}" srcOrd="0" destOrd="0" presId="urn:microsoft.com/office/officeart/2005/8/layout/process1"/>
     <dgm:cxn modelId="{A46BD229-E76B-624B-A0B4-C3A27941D11B}" type="presOf" srcId="{E5DB0069-D447-2E49-B01C-266BF109E856}" destId="{457FF287-4337-564C-814C-B6F01587AF6A}" srcOrd="0" destOrd="0" presId="urn:microsoft.com/office/officeart/2005/8/layout/process1"/>
     <dgm:cxn modelId="{996CAE8A-FAA4-8442-851C-3FF8D6AC81DB}" srcId="{E5DB0069-D447-2E49-B01C-266BF109E856}" destId="{0DBADFF7-AFB7-274F-A8D4-8C143D809335}" srcOrd="2" destOrd="0" parTransId="{A7F213A7-8761-E74F-A4ED-4E785FD9A2E3}" sibTransId="{3554FD88-800C-D047-8BD8-AEF6FBBBFEDB}"/>
+    <dgm:cxn modelId="{856C9593-B2F6-F740-909A-856A61481BD0}" srcId="{E5DB0069-D447-2E49-B01C-266BF109E856}" destId="{C6C702DD-7C5C-6941-8A58-FB818D4BF95A}" srcOrd="3" destOrd="0" parTransId="{CBEFAE92-E18C-BB40-98F1-6190098BF662}" sibTransId="{89715793-9F78-9248-8C04-D840B133F6E6}"/>
     <dgm:cxn modelId="{CB5ABED9-930A-3044-8335-F837FF94B428}" type="presOf" srcId="{82B0F824-B5E4-5B4D-AD6D-F9074543579C}" destId="{D7C2A2A9-77CF-3348-B5D0-9653F34C12A8}" srcOrd="1" destOrd="0" presId="urn:microsoft.com/office/officeart/2005/8/layout/process1"/>
     <dgm:cxn modelId="{B53D9041-109C-8644-B5DF-A85165C9D72E}" type="presOf" srcId="{3554FD88-800C-D047-8BD8-AEF6FBBBFEDB}" destId="{622B45E8-CF2D-264E-A703-C655C84CAD52}" srcOrd="1" destOrd="0" presId="urn:microsoft.com/office/officeart/2005/8/layout/process1"/>
     <dgm:cxn modelId="{D8F40EAB-A929-5045-80C3-72293A08D09D}" type="presOf" srcId="{82B0F824-B5E4-5B4D-AD6D-F9074543579C}" destId="{C069EF10-33BE-F045-8E1C-DFF0AADFFBF9}" srcOrd="0" destOrd="0" presId="urn:microsoft.com/office/officeart/2005/8/layout/process1"/>
@@ -1244,13 +1378,16 @@
     <dgm:cxn modelId="{481A5A7A-7FBB-7142-BD29-BEDBB079D049}" type="presParOf" srcId="{457FF287-4337-564C-814C-B6F01587AF6A}" destId="{9C432A3F-25EB-DC41-B6C0-18FC8582CD58}" srcOrd="4" destOrd="0" presId="urn:microsoft.com/office/officeart/2005/8/layout/process1"/>
     <dgm:cxn modelId="{7EB15533-097B-3545-92C0-7E3F89815D2D}" type="presParOf" srcId="{457FF287-4337-564C-814C-B6F01587AF6A}" destId="{6BB4C29A-937F-7F44-A84B-8C008CDD3B88}" srcOrd="5" destOrd="0" presId="urn:microsoft.com/office/officeart/2005/8/layout/process1"/>
     <dgm:cxn modelId="{2DDD4426-2EB4-5946-8AD1-43EEBE06026A}" type="presParOf" srcId="{6BB4C29A-937F-7F44-A84B-8C008CDD3B88}" destId="{622B45E8-CF2D-264E-A703-C655C84CAD52}" srcOrd="0" destOrd="0" presId="urn:microsoft.com/office/officeart/2005/8/layout/process1"/>
-    <dgm:cxn modelId="{E33055A2-317D-2740-8318-5C4C45666C63}" type="presParOf" srcId="{457FF287-4337-564C-814C-B6F01587AF6A}" destId="{0599AE04-8B7B-F84E-BA3A-6F597C6D10DC}" srcOrd="6" destOrd="0" presId="urn:microsoft.com/office/officeart/2005/8/layout/process1"/>
+    <dgm:cxn modelId="{002DE60B-C3C7-EE48-AEB0-023A3C4BF4E6}" type="presParOf" srcId="{457FF287-4337-564C-814C-B6F01587AF6A}" destId="{ABA8C162-A135-E14B-8089-C3529CD42301}" srcOrd="6" destOrd="0" presId="urn:microsoft.com/office/officeart/2005/8/layout/process1"/>
+    <dgm:cxn modelId="{7D1A65A0-D36E-574E-8165-66F0728BB261}" type="presParOf" srcId="{457FF287-4337-564C-814C-B6F01587AF6A}" destId="{3624EF35-E4C5-B64A-A700-2DA07AB7B079}" srcOrd="7" destOrd="0" presId="urn:microsoft.com/office/officeart/2005/8/layout/process1"/>
+    <dgm:cxn modelId="{909F7CD8-9D97-814A-8CFA-28E60661387A}" type="presParOf" srcId="{3624EF35-E4C5-B64A-A700-2DA07AB7B079}" destId="{54D29742-5ED2-3148-A145-E078A69BCB1C}" srcOrd="0" destOrd="0" presId="urn:microsoft.com/office/officeart/2005/8/layout/process1"/>
+    <dgm:cxn modelId="{E33055A2-317D-2740-8318-5C4C45666C63}" type="presParOf" srcId="{457FF287-4337-564C-814C-B6F01587AF6A}" destId="{0599AE04-8B7B-F84E-BA3A-6F597C6D10DC}" srcOrd="8" destOrd="0" presId="urn:microsoft.com/office/officeart/2005/8/layout/process1"/>
   </dgm:cxnLst>
   <dgm:bg/>
   <dgm:whole/>
   <dgm:extLst>
     <a:ext uri="http://schemas.microsoft.com/office/drawing/2008/diagram">
-      <dsp:dataModelExt xmlns:dsp="http://schemas.microsoft.com/office/drawing/2008/diagram" relId="rId9" minVer="http://schemas.openxmlformats.org/drawingml/2006/diagram"/>
+      <dsp:dataModelExt xmlns:dsp="http://schemas.microsoft.com/office/drawing/2008/diagram" relId="rId10" minVer="http://schemas.openxmlformats.org/drawingml/2006/diagram"/>
     </a:ext>
   </dgm:extLst>
 </dgm:dataModel>
@@ -1271,8 +1408,8 @@
       </dsp:nvSpPr>
       <dsp:spPr>
         <a:xfrm>
-          <a:off x="3530" y="453064"/>
-          <a:ext cx="1543743" cy="1186752"/>
+          <a:off x="3923" y="527670"/>
+          <a:ext cx="1216163" cy="1037539"/>
         </a:xfrm>
         <a:prstGeom prst="roundRect">
           <a:avLst>
@@ -1337,12 +1474,12 @@
         </a:fontRef>
       </dsp:style>
       <dsp:txBody>
-        <a:bodyPr spcFirstLastPara="0" vert="horz" wrap="square" lIns="68580" tIns="68580" rIns="68580" bIns="68580" numCol="1" spcCol="1270" anchor="ctr" anchorCtr="0">
+        <a:bodyPr spcFirstLastPara="0" vert="horz" wrap="square" lIns="60960" tIns="60960" rIns="60960" bIns="60960" numCol="1" spcCol="1270" anchor="ctr" anchorCtr="0">
           <a:noAutofit/>
         </a:bodyPr>
         <a:lstStyle/>
         <a:p>
-          <a:pPr lvl="0" algn="ctr" defTabSz="800100" rtl="0">
+          <a:pPr lvl="0" algn="ctr" defTabSz="711200" rtl="0">
             <a:lnSpc>
               <a:spcPct val="90000"/>
             </a:lnSpc>
@@ -1354,14 +1491,14 @@
             </a:spcAft>
           </a:pPr>
           <a:r>
-            <a:rPr lang="en-US" sz="1800" kern="1200" dirty="0" smtClean="0">
+            <a:rPr lang="en-US" sz="1600" kern="1200" dirty="0" smtClean="0">
               <a:latin typeface="DIN Alternate" charset="0"/>
               <a:ea typeface="DIN Alternate" charset="0"/>
               <a:cs typeface="DIN Alternate" charset="0"/>
             </a:rPr>
             <a:t>Desktop only</a:t>
           </a:r>
-          <a:endParaRPr lang="en-US" sz="1800" kern="1200" dirty="0">
+          <a:endParaRPr lang="en-US" sz="1600" kern="1200" dirty="0">
             <a:latin typeface="DIN Alternate" charset="0"/>
             <a:ea typeface="DIN Alternate" charset="0"/>
             <a:cs typeface="DIN Alternate" charset="0"/>
@@ -1369,8 +1506,8 @@
         </a:p>
       </dsp:txBody>
       <dsp:txXfrm>
-        <a:off x="38289" y="487823"/>
-        <a:ext cx="1474225" cy="1117234"/>
+        <a:off x="34311" y="558058"/>
+        <a:ext cx="1155387" cy="976763"/>
       </dsp:txXfrm>
     </dsp:sp>
     <dsp:sp modelId="{6A8F602D-D71F-864A-B24F-AF80FBE6E9A6}">
@@ -1380,8 +1517,8 @@
       </dsp:nvSpPr>
       <dsp:spPr>
         <a:xfrm>
-          <a:off x="1701648" y="855016"/>
-          <a:ext cx="327273" cy="382848"/>
+          <a:off x="1341703" y="895636"/>
+          <a:ext cx="257826" cy="301608"/>
         </a:xfrm>
         <a:prstGeom prst="rightArrow">
           <a:avLst>
@@ -1455,7 +1592,7 @@
         </a:bodyPr>
         <a:lstStyle/>
         <a:p>
-          <a:pPr lvl="0" algn="ctr" defTabSz="622300">
+          <a:pPr lvl="0" algn="ctr" defTabSz="577850">
             <a:lnSpc>
               <a:spcPct val="90000"/>
             </a:lnSpc>
@@ -1466,7 +1603,7 @@
               <a:spcPct val="35000"/>
             </a:spcAft>
           </a:pPr>
-          <a:endParaRPr lang="en-US" sz="1400" kern="1200">
+          <a:endParaRPr lang="en-US" sz="1300" kern="1200">
             <a:latin typeface="DIN Alternate" charset="0"/>
             <a:ea typeface="DIN Alternate" charset="0"/>
             <a:cs typeface="DIN Alternate" charset="0"/>
@@ -1474,8 +1611,8 @@
         </a:p>
       </dsp:txBody>
       <dsp:txXfrm>
-        <a:off x="1701648" y="931586"/>
-        <a:ext cx="229091" cy="229708"/>
+        <a:off x="1341703" y="955958"/>
+        <a:ext cx="180478" cy="180964"/>
       </dsp:txXfrm>
     </dsp:sp>
     <dsp:sp modelId="{9FADE50D-078A-3E4C-8150-F4C34A9AA4E4}">
@@ -1485,8 +1622,8 @@
       </dsp:nvSpPr>
       <dsp:spPr>
         <a:xfrm>
-          <a:off x="2164771" y="453064"/>
-          <a:ext cx="1543743" cy="1186752"/>
+          <a:off x="1706552" y="527670"/>
+          <a:ext cx="1216163" cy="1037539"/>
         </a:xfrm>
         <a:prstGeom prst="roundRect">
           <a:avLst>
@@ -1551,12 +1688,12 @@
         </a:fontRef>
       </dsp:style>
       <dsp:txBody>
-        <a:bodyPr spcFirstLastPara="0" vert="horz" wrap="square" lIns="68580" tIns="68580" rIns="68580" bIns="68580" numCol="1" spcCol="1270" anchor="ctr" anchorCtr="0">
+        <a:bodyPr spcFirstLastPara="0" vert="horz" wrap="square" lIns="60960" tIns="60960" rIns="60960" bIns="60960" numCol="1" spcCol="1270" anchor="ctr" anchorCtr="0">
           <a:noAutofit/>
         </a:bodyPr>
         <a:lstStyle/>
         <a:p>
-          <a:pPr lvl="0" algn="ctr" defTabSz="800100" rtl="0">
+          <a:pPr lvl="0" algn="ctr" defTabSz="711200" rtl="0">
             <a:lnSpc>
               <a:spcPct val="90000"/>
             </a:lnSpc>
@@ -1568,14 +1705,14 @@
             </a:spcAft>
           </a:pPr>
           <a:r>
-            <a:rPr lang="en-US" sz="1800" kern="1200" dirty="0" smtClean="0">
+            <a:rPr lang="en-US" sz="1600" kern="1200" dirty="0" smtClean="0">
               <a:latin typeface="DIN Alternate" charset="0"/>
               <a:ea typeface="DIN Alternate" charset="0"/>
               <a:cs typeface="DIN Alternate" charset="0"/>
             </a:rPr>
             <a:t>Separate mobile &amp; desktop websites</a:t>
           </a:r>
-          <a:endParaRPr lang="en-US" sz="1800" kern="1200" dirty="0">
+          <a:endParaRPr lang="en-US" sz="1600" kern="1200" dirty="0">
             <a:latin typeface="DIN Alternate" charset="0"/>
             <a:ea typeface="DIN Alternate" charset="0"/>
             <a:cs typeface="DIN Alternate" charset="0"/>
@@ -1583,8 +1720,8 @@
         </a:p>
       </dsp:txBody>
       <dsp:txXfrm>
-        <a:off x="2199530" y="487823"/>
-        <a:ext cx="1474225" cy="1117234"/>
+        <a:off x="1736940" y="558058"/>
+        <a:ext cx="1155387" cy="976763"/>
       </dsp:txXfrm>
     </dsp:sp>
     <dsp:sp modelId="{C069EF10-33BE-F045-8E1C-DFF0AADFFBF9}">
@@ -1594,8 +1731,8 @@
       </dsp:nvSpPr>
       <dsp:spPr>
         <a:xfrm>
-          <a:off x="3862889" y="855016"/>
-          <a:ext cx="327273" cy="382848"/>
+          <a:off x="3044332" y="895636"/>
+          <a:ext cx="257826" cy="301608"/>
         </a:xfrm>
         <a:prstGeom prst="rightArrow">
           <a:avLst>
@@ -1669,7 +1806,7 @@
         </a:bodyPr>
         <a:lstStyle/>
         <a:p>
-          <a:pPr lvl="0" algn="ctr" defTabSz="622300">
+          <a:pPr lvl="0" algn="ctr" defTabSz="577850">
             <a:lnSpc>
               <a:spcPct val="90000"/>
             </a:lnSpc>
@@ -1680,7 +1817,7 @@
               <a:spcPct val="35000"/>
             </a:spcAft>
           </a:pPr>
-          <a:endParaRPr lang="en-US" sz="1400" kern="1200">
+          <a:endParaRPr lang="en-US" sz="1300" kern="1200">
             <a:latin typeface="DIN Alternate" charset="0"/>
             <a:ea typeface="DIN Alternate" charset="0"/>
             <a:cs typeface="DIN Alternate" charset="0"/>
@@ -1688,8 +1825,8 @@
         </a:p>
       </dsp:txBody>
       <dsp:txXfrm>
-        <a:off x="3862889" y="931586"/>
-        <a:ext cx="229091" cy="229708"/>
+        <a:off x="3044332" y="955958"/>
+        <a:ext cx="180478" cy="180964"/>
       </dsp:txXfrm>
     </dsp:sp>
     <dsp:sp modelId="{9C432A3F-25EB-DC41-B6C0-18FC8582CD58}">
@@ -1699,8 +1836,8 @@
       </dsp:nvSpPr>
       <dsp:spPr>
         <a:xfrm>
-          <a:off x="4326012" y="453064"/>
-          <a:ext cx="1543743" cy="1186752"/>
+          <a:off x="3409182" y="527670"/>
+          <a:ext cx="1216163" cy="1037539"/>
         </a:xfrm>
         <a:prstGeom prst="roundRect">
           <a:avLst>
@@ -1765,12 +1902,12 @@
         </a:fontRef>
       </dsp:style>
       <dsp:txBody>
-        <a:bodyPr spcFirstLastPara="0" vert="horz" wrap="square" lIns="68580" tIns="68580" rIns="68580" bIns="68580" numCol="1" spcCol="1270" anchor="ctr" anchorCtr="0">
+        <a:bodyPr spcFirstLastPara="0" vert="horz" wrap="square" lIns="60960" tIns="60960" rIns="60960" bIns="60960" numCol="1" spcCol="1270" anchor="ctr" anchorCtr="0">
           <a:noAutofit/>
         </a:bodyPr>
         <a:lstStyle/>
         <a:p>
-          <a:pPr lvl="0" algn="ctr" defTabSz="800100" rtl="0">
+          <a:pPr lvl="0" algn="ctr" defTabSz="711200" rtl="0">
             <a:lnSpc>
               <a:spcPct val="90000"/>
             </a:lnSpc>
@@ -1782,14 +1919,14 @@
             </a:spcAft>
           </a:pPr>
           <a:r>
-            <a:rPr lang="en-US" sz="1800" kern="1200" dirty="0" smtClean="0">
+            <a:rPr lang="en-US" sz="1600" kern="1200" dirty="0" smtClean="0">
               <a:latin typeface="DIN Alternate" charset="0"/>
               <a:ea typeface="DIN Alternate" charset="0"/>
               <a:cs typeface="DIN Alternate" charset="0"/>
             </a:rPr>
             <a:t>Separate mobile &amp; desktop CSS files</a:t>
           </a:r>
-          <a:endParaRPr lang="en-US" sz="1800" kern="1200" dirty="0">
+          <a:endParaRPr lang="en-US" sz="1600" kern="1200" dirty="0">
             <a:latin typeface="DIN Alternate" charset="0"/>
             <a:ea typeface="DIN Alternate" charset="0"/>
             <a:cs typeface="DIN Alternate" charset="0"/>
@@ -1797,8 +1934,8 @@
         </a:p>
       </dsp:txBody>
       <dsp:txXfrm>
-        <a:off x="4360771" y="487823"/>
-        <a:ext cx="1474225" cy="1117234"/>
+        <a:off x="3439570" y="558058"/>
+        <a:ext cx="1155387" cy="976763"/>
       </dsp:txXfrm>
     </dsp:sp>
     <dsp:sp modelId="{6BB4C29A-937F-7F44-A84B-8C008CDD3B88}">
@@ -1808,8 +1945,8 @@
       </dsp:nvSpPr>
       <dsp:spPr>
         <a:xfrm>
-          <a:off x="6024130" y="855016"/>
-          <a:ext cx="327273" cy="382848"/>
+          <a:off x="4746962" y="895636"/>
+          <a:ext cx="257826" cy="301608"/>
         </a:xfrm>
         <a:prstGeom prst="rightArrow">
           <a:avLst>
@@ -1883,7 +2020,7 @@
         </a:bodyPr>
         <a:lstStyle/>
         <a:p>
-          <a:pPr lvl="0" algn="ctr" defTabSz="622300">
+          <a:pPr lvl="0" algn="ctr" defTabSz="577850">
             <a:lnSpc>
               <a:spcPct val="90000"/>
             </a:lnSpc>
@@ -1894,7 +2031,7 @@
               <a:spcPct val="35000"/>
             </a:spcAft>
           </a:pPr>
-          <a:endParaRPr lang="en-US" sz="1400" kern="1200">
+          <a:endParaRPr lang="en-US" sz="1300" kern="1200">
             <a:latin typeface="DIN Alternate" charset="0"/>
             <a:ea typeface="DIN Alternate" charset="0"/>
             <a:cs typeface="DIN Alternate" charset="0"/>
@@ -1902,19 +2039,19 @@
         </a:p>
       </dsp:txBody>
       <dsp:txXfrm>
-        <a:off x="6024130" y="931586"/>
-        <a:ext cx="229091" cy="229708"/>
+        <a:off x="4746962" y="955958"/>
+        <a:ext cx="180478" cy="180964"/>
       </dsp:txXfrm>
     </dsp:sp>
-    <dsp:sp modelId="{0599AE04-8B7B-F84E-BA3A-6F597C6D10DC}">
+    <dsp:sp modelId="{ABA8C162-A135-E14B-8089-C3529CD42301}">
       <dsp:nvSpPr>
         <dsp:cNvPr id="0" name=""/>
         <dsp:cNvSpPr/>
       </dsp:nvSpPr>
       <dsp:spPr>
         <a:xfrm>
-          <a:off x="6487253" y="453064"/>
-          <a:ext cx="1543743" cy="1186752"/>
+          <a:off x="5111811" y="527670"/>
+          <a:ext cx="1216163" cy="1037539"/>
         </a:xfrm>
         <a:prstGeom prst="roundRect">
           <a:avLst>
@@ -1979,12 +2116,12 @@
         </a:fontRef>
       </dsp:style>
       <dsp:txBody>
-        <a:bodyPr spcFirstLastPara="0" vert="horz" wrap="square" lIns="68580" tIns="68580" rIns="68580" bIns="68580" numCol="1" spcCol="1270" anchor="ctr" anchorCtr="0">
+        <a:bodyPr spcFirstLastPara="0" vert="horz" wrap="square" lIns="60960" tIns="60960" rIns="60960" bIns="60960" numCol="1" spcCol="1270" anchor="ctr" anchorCtr="0">
           <a:noAutofit/>
         </a:bodyPr>
         <a:lstStyle/>
         <a:p>
-          <a:pPr lvl="0" algn="ctr" defTabSz="800100" rtl="0">
+          <a:pPr lvl="0" algn="ctr" defTabSz="711200">
             <a:lnSpc>
               <a:spcPct val="90000"/>
             </a:lnSpc>
@@ -1996,14 +2133,14 @@
             </a:spcAft>
           </a:pPr>
           <a:r>
-            <a:rPr lang="en-US" sz="1800" kern="1200" dirty="0" smtClean="0">
+            <a:rPr lang="en-US" sz="1600" kern="1200" dirty="0" smtClean="0">
               <a:latin typeface="DIN Alternate" charset="0"/>
               <a:ea typeface="DIN Alternate" charset="0"/>
               <a:cs typeface="DIN Alternate" charset="0"/>
             </a:rPr>
-            <a:t>Mobile-first, using media queries</a:t>
+            <a:t>Adaptive design</a:t>
           </a:r>
-          <a:endParaRPr lang="en-US" sz="1800" kern="1200" dirty="0">
+          <a:endParaRPr lang="en-US" sz="1600" kern="1200" dirty="0">
             <a:latin typeface="DIN Alternate" charset="0"/>
             <a:ea typeface="DIN Alternate" charset="0"/>
             <a:cs typeface="DIN Alternate" charset="0"/>
@@ -2011,8 +2148,218 @@
         </a:p>
       </dsp:txBody>
       <dsp:txXfrm>
-        <a:off x="6522012" y="487823"/>
-        <a:ext cx="1474225" cy="1117234"/>
+        <a:off x="5142199" y="558058"/>
+        <a:ext cx="1155387" cy="976763"/>
+      </dsp:txXfrm>
+    </dsp:sp>
+    <dsp:sp modelId="{3624EF35-E4C5-B64A-A700-2DA07AB7B079}">
+      <dsp:nvSpPr>
+        <dsp:cNvPr id="0" name=""/>
+        <dsp:cNvSpPr/>
+      </dsp:nvSpPr>
+      <dsp:spPr>
+        <a:xfrm>
+          <a:off x="6449591" y="895636"/>
+          <a:ext cx="257826" cy="301608"/>
+        </a:xfrm>
+        <a:prstGeom prst="rightArrow">
+          <a:avLst>
+            <a:gd name="adj1" fmla="val 60000"/>
+            <a:gd name="adj2" fmla="val 50000"/>
+          </a:avLst>
+        </a:prstGeom>
+        <a:gradFill rotWithShape="0">
+          <a:gsLst>
+            <a:gs pos="0">
+              <a:schemeClr val="accent5">
+                <a:tint val="60000"/>
+                <a:hueOff val="0"/>
+                <a:satOff val="0"/>
+                <a:lumOff val="0"/>
+                <a:alphaOff val="0"/>
+                <a:satMod val="103000"/>
+                <a:lumMod val="102000"/>
+                <a:tint val="94000"/>
+              </a:schemeClr>
+            </a:gs>
+            <a:gs pos="50000">
+              <a:schemeClr val="accent5">
+                <a:tint val="60000"/>
+                <a:hueOff val="0"/>
+                <a:satOff val="0"/>
+                <a:lumOff val="0"/>
+                <a:alphaOff val="0"/>
+                <a:satMod val="110000"/>
+                <a:lumMod val="100000"/>
+                <a:shade val="100000"/>
+              </a:schemeClr>
+            </a:gs>
+            <a:gs pos="100000">
+              <a:schemeClr val="accent5">
+                <a:tint val="60000"/>
+                <a:hueOff val="0"/>
+                <a:satOff val="0"/>
+                <a:lumOff val="0"/>
+                <a:alphaOff val="0"/>
+                <a:lumMod val="99000"/>
+                <a:satMod val="120000"/>
+                <a:shade val="78000"/>
+              </a:schemeClr>
+            </a:gs>
+          </a:gsLst>
+          <a:lin ang="5400000" scaled="0"/>
+        </a:gradFill>
+        <a:ln>
+          <a:noFill/>
+        </a:ln>
+        <a:effectLst/>
+      </dsp:spPr>
+      <dsp:style>
+        <a:lnRef idx="0">
+          <a:scrgbClr r="0" g="0" b="0"/>
+        </a:lnRef>
+        <a:fillRef idx="3">
+          <a:scrgbClr r="0" g="0" b="0"/>
+        </a:fillRef>
+        <a:effectRef idx="2">
+          <a:scrgbClr r="0" g="0" b="0"/>
+        </a:effectRef>
+        <a:fontRef idx="minor">
+          <a:schemeClr val="lt1"/>
+        </a:fontRef>
+      </dsp:style>
+      <dsp:txBody>
+        <a:bodyPr spcFirstLastPara="0" vert="horz" wrap="square" lIns="0" tIns="0" rIns="0" bIns="0" numCol="1" spcCol="1270" anchor="ctr" anchorCtr="0">
+          <a:noAutofit/>
+        </a:bodyPr>
+        <a:lstStyle/>
+        <a:p>
+          <a:pPr lvl="0" algn="ctr" defTabSz="577850">
+            <a:lnSpc>
+              <a:spcPct val="90000"/>
+            </a:lnSpc>
+            <a:spcBef>
+              <a:spcPct val="0"/>
+            </a:spcBef>
+            <a:spcAft>
+              <a:spcPct val="35000"/>
+            </a:spcAft>
+          </a:pPr>
+          <a:endParaRPr lang="en-US" sz="1300" kern="1200"/>
+        </a:p>
+      </dsp:txBody>
+      <dsp:txXfrm>
+        <a:off x="6449591" y="955958"/>
+        <a:ext cx="180478" cy="180964"/>
+      </dsp:txXfrm>
+    </dsp:sp>
+    <dsp:sp modelId="{0599AE04-8B7B-F84E-BA3A-6F597C6D10DC}">
+      <dsp:nvSpPr>
+        <dsp:cNvPr id="0" name=""/>
+        <dsp:cNvSpPr/>
+      </dsp:nvSpPr>
+      <dsp:spPr>
+        <a:xfrm>
+          <a:off x="6814440" y="527670"/>
+          <a:ext cx="1216163" cy="1037539"/>
+        </a:xfrm>
+        <a:prstGeom prst="roundRect">
+          <a:avLst>
+            <a:gd name="adj" fmla="val 10000"/>
+          </a:avLst>
+        </a:prstGeom>
+        <a:gradFill rotWithShape="0">
+          <a:gsLst>
+            <a:gs pos="0">
+              <a:schemeClr val="accent5">
+                <a:hueOff val="0"/>
+                <a:satOff val="0"/>
+                <a:lumOff val="0"/>
+                <a:alphaOff val="0"/>
+                <a:satMod val="103000"/>
+                <a:lumMod val="102000"/>
+                <a:tint val="94000"/>
+              </a:schemeClr>
+            </a:gs>
+            <a:gs pos="50000">
+              <a:schemeClr val="accent5">
+                <a:hueOff val="0"/>
+                <a:satOff val="0"/>
+                <a:lumOff val="0"/>
+                <a:alphaOff val="0"/>
+                <a:satMod val="110000"/>
+                <a:lumMod val="100000"/>
+                <a:shade val="100000"/>
+              </a:schemeClr>
+            </a:gs>
+            <a:gs pos="100000">
+              <a:schemeClr val="accent5">
+                <a:hueOff val="0"/>
+                <a:satOff val="0"/>
+                <a:lumOff val="0"/>
+                <a:alphaOff val="0"/>
+                <a:lumMod val="99000"/>
+                <a:satMod val="120000"/>
+                <a:shade val="78000"/>
+              </a:schemeClr>
+            </a:gs>
+          </a:gsLst>
+          <a:lin ang="5400000" scaled="0"/>
+        </a:gradFill>
+        <a:ln>
+          <a:noFill/>
+        </a:ln>
+        <a:effectLst/>
+      </dsp:spPr>
+      <dsp:style>
+        <a:lnRef idx="0">
+          <a:scrgbClr r="0" g="0" b="0"/>
+        </a:lnRef>
+        <a:fillRef idx="3">
+          <a:scrgbClr r="0" g="0" b="0"/>
+        </a:fillRef>
+        <a:effectRef idx="2">
+          <a:scrgbClr r="0" g="0" b="0"/>
+        </a:effectRef>
+        <a:fontRef idx="minor">
+          <a:schemeClr val="lt1"/>
+        </a:fontRef>
+      </dsp:style>
+      <dsp:txBody>
+        <a:bodyPr spcFirstLastPara="0" vert="horz" wrap="square" lIns="60960" tIns="60960" rIns="60960" bIns="60960" numCol="1" spcCol="1270" anchor="ctr" anchorCtr="0">
+          <a:noAutofit/>
+        </a:bodyPr>
+        <a:lstStyle/>
+        <a:p>
+          <a:pPr lvl="0" algn="ctr" defTabSz="711200" rtl="0">
+            <a:lnSpc>
+              <a:spcPct val="90000"/>
+            </a:lnSpc>
+            <a:spcBef>
+              <a:spcPct val="0"/>
+            </a:spcBef>
+            <a:spcAft>
+              <a:spcPct val="35000"/>
+            </a:spcAft>
+          </a:pPr>
+          <a:r>
+            <a:rPr lang="en-US" sz="1600" kern="1200" dirty="0" smtClean="0">
+              <a:latin typeface="DIN Alternate" charset="0"/>
+              <a:ea typeface="DIN Alternate" charset="0"/>
+              <a:cs typeface="DIN Alternate" charset="0"/>
+            </a:rPr>
+            <a:t>Responsive design</a:t>
+          </a:r>
+          <a:endParaRPr lang="en-US" sz="1600" kern="1200" dirty="0">
+            <a:latin typeface="DIN Alternate" charset="0"/>
+            <a:ea typeface="DIN Alternate" charset="0"/>
+            <a:cs typeface="DIN Alternate" charset="0"/>
+          </a:endParaRPr>
+        </a:p>
+      </dsp:txBody>
+      <dsp:txXfrm>
+        <a:off x="6844828" y="558058"/>
+        <a:ext cx="1155387" cy="976763"/>
       </dsp:txXfrm>
     </dsp:sp>
   </dsp:spTree>
@@ -3281,7 +3628,7 @@
           <a:p>
             <a:fld id="{A8E03A04-0626-44D4-B6D6-43B9D98023FD}" type="datetimeFigureOut">
               <a:rPr lang="en-US" smtClean="0"/>
-              <a:t>10/14/16</a:t>
+              <a:t>10/18/16</a:t>
             </a:fld>
             <a:endParaRPr lang="en-US"/>
           </a:p>
@@ -3707,7 +4054,7 @@
     </p:spTree>
     <p:extLst>
       <p:ext uri="{BB962C8B-B14F-4D97-AF65-F5344CB8AC3E}">
-        <p14:creationId xmlns:p14="http://schemas.microsoft.com/office/powerpoint/2010/main" val="1537353477"/>
+        <p14:creationId xmlns:p14="http://schemas.microsoft.com/office/powerpoint/2010/main" val="2117301000"/>
       </p:ext>
     </p:extLst>
   </p:cSld>
@@ -3783,90 +4130,6 @@
             <a:fld id="{08A34052-12FB-4B01-8A2E-D87AD7371E95}" type="slidenum">
               <a:rPr lang="en-US" smtClean="0"/>
               <a:t>12</a:t>
-            </a:fld>
-            <a:endParaRPr lang="en-US"/>
-          </a:p>
-        </p:txBody>
-      </p:sp>
-    </p:spTree>
-    <p:extLst>
-      <p:ext uri="{BB962C8B-B14F-4D97-AF65-F5344CB8AC3E}">
-        <p14:creationId xmlns:p14="http://schemas.microsoft.com/office/powerpoint/2010/main" val="2117301000"/>
-      </p:ext>
-    </p:extLst>
-  </p:cSld>
-  <p:clrMapOvr>
-    <a:masterClrMapping/>
-  </p:clrMapOvr>
-</p:notes>
-</file>
-
-<file path=ppt/notesSlides/notesSlide12.xml><?xml version="1.0" encoding="utf-8"?>
-<p:notes xmlns:a="http://schemas.openxmlformats.org/drawingml/2006/main" xmlns:r="http://schemas.openxmlformats.org/officeDocument/2006/relationships" xmlns:p="http://schemas.openxmlformats.org/presentationml/2006/main">
-  <p:cSld>
-    <p:spTree>
-      <p:nvGrpSpPr>
-        <p:cNvPr id="1" name=""/>
-        <p:cNvGrpSpPr/>
-        <p:nvPr/>
-      </p:nvGrpSpPr>
-      <p:grpSpPr>
-        <a:xfrm>
-          <a:off x="0" y="0"/>
-          <a:ext cx="0" cy="0"/>
-          <a:chOff x="0" y="0"/>
-          <a:chExt cx="0" cy="0"/>
-        </a:xfrm>
-      </p:grpSpPr>
-      <p:sp>
-        <p:nvSpPr>
-          <p:cNvPr id="2" name="Slide Image Placeholder 1"/>
-          <p:cNvSpPr>
-            <a:spLocks noGrp="1" noRot="1" noChangeAspect="1"/>
-          </p:cNvSpPr>
-          <p:nvPr>
-            <p:ph type="sldImg"/>
-          </p:nvPr>
-        </p:nvSpPr>
-        <p:spPr/>
-      </p:sp>
-      <p:sp>
-        <p:nvSpPr>
-          <p:cNvPr id="3" name="Notes Placeholder 2"/>
-          <p:cNvSpPr>
-            <a:spLocks noGrp="1"/>
-          </p:cNvSpPr>
-          <p:nvPr>
-            <p:ph type="body" idx="1"/>
-          </p:nvPr>
-        </p:nvSpPr>
-        <p:spPr/>
-        <p:txBody>
-          <a:bodyPr/>
-          <a:lstStyle/>
-          <a:p>
-            <a:endParaRPr lang="en-US" dirty="0"/>
-          </a:p>
-        </p:txBody>
-      </p:sp>
-      <p:sp>
-        <p:nvSpPr>
-          <p:cNvPr id="4" name="Slide Number Placeholder 3"/>
-          <p:cNvSpPr>
-            <a:spLocks noGrp="1"/>
-          </p:cNvSpPr>
-          <p:nvPr>
-            <p:ph type="sldNum" sz="quarter" idx="10"/>
-          </p:nvPr>
-        </p:nvSpPr>
-        <p:spPr/>
-        <p:txBody>
-          <a:bodyPr/>
-          <a:lstStyle/>
-          <a:p>
-            <a:fld id="{08A34052-12FB-4B01-8A2E-D87AD7371E95}" type="slidenum">
-              <a:rPr lang="en-US" smtClean="0"/>
-              <a:t>13</a:t>
             </a:fld>
             <a:endParaRPr lang="en-US"/>
           </a:p>
@@ -9741,14 +10004,14 @@
           </a:ln>
           <a:extLst>
             <a:ext uri="{909E8E84-426E-40dd-AFC4-6F175D3DCCD1}">
-              <a14:hiddenFill xmlns="" xmlns:a14="http://schemas.microsoft.com/office/drawing/2010/main">
+              <a14:hiddenFill xmlns:a14="http://schemas.microsoft.com/office/drawing/2010/main" xmlns="">
                 <a:solidFill>
                   <a:srgbClr val="FFFFFF"/>
                 </a:solidFill>
               </a14:hiddenFill>
             </a:ext>
             <a:ext uri="{91240B29-F687-4f45-9708-019B960494DF}">
-              <a14:hiddenLine xmlns="" xmlns:a14="http://schemas.microsoft.com/office/drawing/2010/main" w="12700">
+              <a14:hiddenLine xmlns:a14="http://schemas.microsoft.com/office/drawing/2010/main" xmlns="" w="12700">
                 <a:solidFill>
                   <a:srgbClr val="000000"/>
                 </a:solidFill>
@@ -10311,14 +10574,14 @@
           </a:ln>
           <a:extLst>
             <a:ext uri="{909E8E84-426E-40dd-AFC4-6F175D3DCCD1}">
-              <a14:hiddenFill xmlns="" xmlns:a14="http://schemas.microsoft.com/office/drawing/2010/main">
+              <a14:hiddenFill xmlns:a14="http://schemas.microsoft.com/office/drawing/2010/main" xmlns="">
                 <a:solidFill>
                   <a:srgbClr val="FFFFFF"/>
                 </a:solidFill>
               </a14:hiddenFill>
             </a:ext>
             <a:ext uri="{91240B29-F687-4f45-9708-019B960494DF}">
-              <a14:hiddenLine xmlns="" xmlns:a14="http://schemas.microsoft.com/office/drawing/2010/main" w="12700">
+              <a14:hiddenLine xmlns:a14="http://schemas.microsoft.com/office/drawing/2010/main" xmlns="" w="12700">
                 <a:solidFill>
                   <a:srgbClr val="000000"/>
                 </a:solidFill>
@@ -10418,14 +10681,14 @@
           </a:ln>
           <a:extLst>
             <a:ext uri="{909E8E84-426E-40dd-AFC4-6F175D3DCCD1}">
-              <a14:hiddenFill xmlns="" xmlns:a14="http://schemas.microsoft.com/office/drawing/2010/main">
+              <a14:hiddenFill xmlns:a14="http://schemas.microsoft.com/office/drawing/2010/main" xmlns="">
                 <a:solidFill>
                   <a:srgbClr val="FFFFFF"/>
                 </a:solidFill>
               </a14:hiddenFill>
             </a:ext>
             <a:ext uri="{91240B29-F687-4f45-9708-019B960494DF}">
-              <a14:hiddenLine xmlns="" xmlns:a14="http://schemas.microsoft.com/office/drawing/2010/main" w="12700">
+              <a14:hiddenLine xmlns:a14="http://schemas.microsoft.com/office/drawing/2010/main" xmlns="" w="12700">
                 <a:solidFill>
                   <a:srgbClr val="000000"/>
                 </a:solidFill>
@@ -11003,18 +11266,7 @@
                 <a:ea typeface="DIN Alternate" charset="0"/>
                 <a:cs typeface="DIN Alternate" charset="0"/>
               </a:rPr>
-              <a:t>WEEK </a:t>
-            </a:r>
-            <a:r>
-              <a:rPr lang="en-US" dirty="0" smtClean="0">
-                <a:solidFill>
-                  <a:schemeClr val="bg1"/>
-                </a:solidFill>
-                <a:latin typeface="DIN Alternate" charset="0"/>
-                <a:ea typeface="DIN Alternate" charset="0"/>
-                <a:cs typeface="DIN Alternate" charset="0"/>
-              </a:rPr>
-              <a:t>THREE: Intermediate CSS</a:t>
+              <a:t>WEEK THREE: Intermediate CSS</a:t>
             </a:r>
             <a:endParaRPr lang="en-US" dirty="0">
               <a:solidFill>
@@ -11248,261 +11500,6 @@
                 <a:ea typeface="DIN Alternate" charset="0"/>
                 <a:cs typeface="DIN Alternate" charset="0"/>
               </a:rPr>
-              <a:t>Let’s build!</a:t>
-            </a:r>
-            <a:endParaRPr lang="en-US" sz="6000" dirty="0">
-              <a:latin typeface="DIN Alternate" charset="0"/>
-              <a:ea typeface="DIN Alternate" charset="0"/>
-              <a:cs typeface="DIN Alternate" charset="0"/>
-            </a:endParaRPr>
-          </a:p>
-        </p:txBody>
-      </p:sp>
-      <p:pic>
-        <p:nvPicPr>
-          <p:cNvPr id="7" name="Picture 6" descr="DEL_SEC_Digital_RGB.png"/>
-          <p:cNvPicPr>
-            <a:picLocks noChangeAspect="1"/>
-          </p:cNvPicPr>
-          <p:nvPr/>
-        </p:nvPicPr>
-        <p:blipFill>
-          <a:blip r:embed="rId3" cstate="print">
-            <a:extLst>
-              <a:ext uri="{28A0092B-C50C-407E-A947-70E740481C1C}">
-                <a14:useLocalDpi xmlns:a14="http://schemas.microsoft.com/office/drawing/2010/main" val="0"/>
-              </a:ext>
-            </a:extLst>
-          </a:blip>
-          <a:stretch>
-            <a:fillRect/>
-          </a:stretch>
-        </p:blipFill>
-        <p:spPr>
-          <a:xfrm>
-            <a:off x="10717213" y="6016918"/>
-            <a:ext cx="876713" cy="404465"/>
-          </a:xfrm>
-          <a:prstGeom prst="rect">
-            <a:avLst/>
-          </a:prstGeom>
-        </p:spPr>
-      </p:pic>
-      <p:sp>
-        <p:nvSpPr>
-          <p:cNvPr id="3" name="TextBox 2"/>
-          <p:cNvSpPr txBox="1"/>
-          <p:nvPr/>
-        </p:nvSpPr>
-        <p:spPr>
-          <a:xfrm>
-            <a:off x="685800" y="1620287"/>
-            <a:ext cx="10658959" cy="2677656"/>
-          </a:xfrm>
-          <a:prstGeom prst="rect">
-            <a:avLst/>
-          </a:prstGeom>
-          <a:noFill/>
-        </p:spPr>
-        <p:txBody>
-          <a:bodyPr wrap="square" rtlCol="0">
-            <a:spAutoFit/>
-          </a:bodyPr>
-          <a:lstStyle/>
-          <a:p>
-            <a:r>
-              <a:rPr lang="en-US" sz="2800" dirty="0">
-                <a:solidFill>
-                  <a:schemeClr val="bg1"/>
-                </a:solidFill>
-                <a:latin typeface="DIN Alternate" charset="0"/>
-                <a:ea typeface="DIN Alternate" charset="0"/>
-                <a:cs typeface="DIN Alternate" charset="0"/>
-              </a:rPr>
-              <a:t>Live coding / working session</a:t>
-            </a:r>
-            <a:r>
-              <a:rPr lang="en-US" sz="2800" dirty="0" smtClean="0">
-                <a:solidFill>
-                  <a:schemeClr val="bg1"/>
-                </a:solidFill>
-                <a:latin typeface="DIN Alternate" charset="0"/>
-                <a:ea typeface="DIN Alternate" charset="0"/>
-                <a:cs typeface="DIN Alternate" charset="0"/>
-              </a:rPr>
-              <a:t>:</a:t>
-            </a:r>
-          </a:p>
-          <a:p>
-            <a:pPr marL="457200" indent="-457200">
-              <a:buFont typeface="Arial" charset="0"/>
-              <a:buChar char="•"/>
-            </a:pPr>
-            <a:r>
-              <a:rPr lang="en-US" sz="2800" dirty="0" smtClean="0">
-                <a:solidFill>
-                  <a:schemeClr val="bg1"/>
-                </a:solidFill>
-                <a:latin typeface="DIN Alternate" charset="0"/>
-                <a:ea typeface="DIN Alternate" charset="0"/>
-                <a:cs typeface="DIN Alternate" charset="0"/>
-              </a:rPr>
-              <a:t>Customize your page styles:</a:t>
-            </a:r>
-          </a:p>
-          <a:p>
-            <a:pPr marL="914400" lvl="1" indent="-457200">
-              <a:buFont typeface="Arial" charset="0"/>
-              <a:buChar char="•"/>
-            </a:pPr>
-            <a:r>
-              <a:rPr lang="en-US" sz="2800" dirty="0" smtClean="0">
-                <a:solidFill>
-                  <a:schemeClr val="bg1"/>
-                </a:solidFill>
-                <a:latin typeface="DIN Alternate" charset="0"/>
-                <a:ea typeface="DIN Alternate" charset="0"/>
-                <a:cs typeface="DIN Alternate" charset="0"/>
-              </a:rPr>
-              <a:t>Fonts</a:t>
-            </a:r>
-          </a:p>
-          <a:p>
-            <a:pPr marL="914400" lvl="1" indent="-457200">
-              <a:buFont typeface="Arial" charset="0"/>
-              <a:buChar char="•"/>
-            </a:pPr>
-            <a:r>
-              <a:rPr lang="en-US" sz="2800" dirty="0" smtClean="0">
-                <a:solidFill>
-                  <a:schemeClr val="bg1"/>
-                </a:solidFill>
-                <a:latin typeface="DIN Alternate" charset="0"/>
-                <a:ea typeface="DIN Alternate" charset="0"/>
-                <a:cs typeface="DIN Alternate" charset="0"/>
-              </a:rPr>
-              <a:t>Background images</a:t>
-            </a:r>
-          </a:p>
-          <a:p>
-            <a:pPr marL="914400" lvl="1" indent="-457200">
-              <a:buFont typeface="Arial" charset="0"/>
-              <a:buChar char="•"/>
-            </a:pPr>
-            <a:r>
-              <a:rPr lang="en-US" sz="2800" dirty="0" smtClean="0">
-                <a:solidFill>
-                  <a:schemeClr val="bg1"/>
-                </a:solidFill>
-                <a:latin typeface="DIN Alternate" charset="0"/>
-                <a:ea typeface="DIN Alternate" charset="0"/>
-                <a:cs typeface="DIN Alternate" charset="0"/>
-              </a:rPr>
-              <a:t>Media queries</a:t>
-            </a:r>
-          </a:p>
-          <a:p>
-            <a:pPr marL="457200" indent="-457200">
-              <a:buFont typeface="Arial" charset="0"/>
-              <a:buChar char="•"/>
-            </a:pPr>
-            <a:r>
-              <a:rPr lang="en-US" sz="2800" dirty="0">
-                <a:solidFill>
-                  <a:schemeClr val="bg1"/>
-                </a:solidFill>
-                <a:latin typeface="DIN Alternate" charset="0"/>
-                <a:ea typeface="DIN Alternate" charset="0"/>
-                <a:cs typeface="DIN Alternate" charset="0"/>
-              </a:rPr>
-              <a:t>Complete the styling of your page using CSS &amp; </a:t>
-            </a:r>
-            <a:r>
-              <a:rPr lang="en-US" sz="2800" dirty="0" smtClean="0">
-                <a:solidFill>
-                  <a:schemeClr val="bg1"/>
-                </a:solidFill>
-                <a:latin typeface="DIN Alternate" charset="0"/>
-                <a:ea typeface="DIN Alternate" charset="0"/>
-                <a:cs typeface="DIN Alternate" charset="0"/>
-              </a:rPr>
-              <a:t>HTML</a:t>
-            </a:r>
-            <a:endParaRPr lang="en-US" sz="2800" dirty="0">
-              <a:solidFill>
-                <a:schemeClr val="bg1"/>
-              </a:solidFill>
-              <a:latin typeface="DIN Alternate" charset="0"/>
-              <a:ea typeface="DIN Alternate" charset="0"/>
-              <a:cs typeface="DIN Alternate" charset="0"/>
-            </a:endParaRPr>
-          </a:p>
-        </p:txBody>
-      </p:sp>
-    </p:spTree>
-    <p:extLst>
-      <p:ext uri="{BB962C8B-B14F-4D97-AF65-F5344CB8AC3E}">
-        <p14:creationId xmlns:p14="http://schemas.microsoft.com/office/powerpoint/2010/main" val="193923368"/>
-      </p:ext>
-    </p:extLst>
-  </p:cSld>
-  <p:clrMapOvr>
-    <a:masterClrMapping/>
-  </p:clrMapOvr>
-  <p:timing>
-    <p:tnLst>
-      <p:par>
-        <p:cTn id="1" dur="indefinite" restart="never" nodeType="tmRoot"/>
-      </p:par>
-    </p:tnLst>
-  </p:timing>
-</p:sld>
-</file>
-
-<file path=ppt/slides/slide12.xml><?xml version="1.0" encoding="utf-8"?>
-<p:sld xmlns:a="http://schemas.openxmlformats.org/drawingml/2006/main" xmlns:r="http://schemas.openxmlformats.org/officeDocument/2006/relationships" xmlns:p="http://schemas.openxmlformats.org/presentationml/2006/main">
-  <p:cSld>
-    <p:spTree>
-      <p:nvGrpSpPr>
-        <p:cNvPr id="1" name=""/>
-        <p:cNvGrpSpPr/>
-        <p:nvPr/>
-      </p:nvGrpSpPr>
-      <p:grpSpPr>
-        <a:xfrm>
-          <a:off x="0" y="0"/>
-          <a:ext cx="0" cy="0"/>
-          <a:chOff x="0" y="0"/>
-          <a:chExt cx="0" cy="0"/>
-        </a:xfrm>
-      </p:grpSpPr>
-      <p:sp>
-        <p:nvSpPr>
-          <p:cNvPr id="26" name="Title 25"/>
-          <p:cNvSpPr>
-            <a:spLocks noGrp="1"/>
-          </p:cNvSpPr>
-          <p:nvPr>
-            <p:ph type="ctrTitle"/>
-          </p:nvPr>
-        </p:nvSpPr>
-        <p:spPr>
-          <a:xfrm>
-            <a:off x="1" y="555729"/>
-            <a:ext cx="12192000" cy="892071"/>
-          </a:xfrm>
-        </p:spPr>
-        <p:txBody>
-          <a:bodyPr anchor="t"/>
-          <a:lstStyle/>
-          <a:p>
-            <a:pPr algn="ctr"/>
-            <a:r>
-              <a:rPr lang="en-US" sz="6000" dirty="0" smtClean="0">
-                <a:latin typeface="DIN Alternate" charset="0"/>
-                <a:ea typeface="DIN Alternate" charset="0"/>
-                <a:cs typeface="DIN Alternate" charset="0"/>
-              </a:rPr>
               <a:t>Homework</a:t>
             </a:r>
             <a:endParaRPr lang="en-US" sz="6000" dirty="0">
@@ -11590,49 +11587,8 @@
                 <a:ea typeface="DIN Alternate" charset="0"/>
                 <a:cs typeface="DIN Alternate" charset="0"/>
               </a:rPr>
-              <a:t>the </a:t>
-            </a:r>
-            <a:r>
-              <a:rPr lang="en-US" sz="2800" dirty="0" smtClean="0">
-                <a:solidFill>
-                  <a:schemeClr val="bg1"/>
-                </a:solidFill>
-                <a:latin typeface="DIN Alternate" charset="0"/>
-                <a:ea typeface="DIN Alternate" charset="0"/>
-                <a:cs typeface="DIN Alternate" charset="0"/>
-              </a:rPr>
-              <a:t>styling of </a:t>
-            </a:r>
-            <a:r>
-              <a:rPr lang="en-US" sz="2800" dirty="0" smtClean="0">
-                <a:solidFill>
-                  <a:schemeClr val="bg1"/>
-                </a:solidFill>
-                <a:latin typeface="DIN Alternate" charset="0"/>
-                <a:ea typeface="DIN Alternate" charset="0"/>
-                <a:cs typeface="DIN Alternate" charset="0"/>
-              </a:rPr>
-              <a:t>your page using </a:t>
-            </a:r>
-            <a:r>
-              <a:rPr lang="en-US" sz="2800" dirty="0" smtClean="0">
-                <a:solidFill>
-                  <a:schemeClr val="bg1"/>
-                </a:solidFill>
-                <a:latin typeface="DIN Alternate" charset="0"/>
-                <a:ea typeface="DIN Alternate" charset="0"/>
-                <a:cs typeface="DIN Alternate" charset="0"/>
-              </a:rPr>
-              <a:t>CSS &amp; HTML.</a:t>
-            </a:r>
-            <a:endParaRPr lang="en-US" sz="2800" dirty="0" smtClean="0">
-              <a:solidFill>
-                <a:schemeClr val="bg1"/>
-              </a:solidFill>
-              <a:latin typeface="DIN Alternate" charset="0"/>
-              <a:ea typeface="DIN Alternate" charset="0"/>
-              <a:cs typeface="DIN Alternate" charset="0"/>
-            </a:endParaRPr>
+              <a:t>the styling of your page using CSS &amp; HTML.</a:t>
+            </a:r>
           </a:p>
           <a:p>
             <a:pPr>
@@ -11664,29 +11620,7 @@
                 <a:ea typeface="DIN Alternate" charset="0"/>
                 <a:cs typeface="DIN Alternate" charset="0"/>
               </a:rPr>
-              <a:t>Use the “week </a:t>
-            </a:r>
-            <a:r>
-              <a:rPr lang="en-US" sz="2800" dirty="0" smtClean="0">
-                <a:solidFill>
-                  <a:schemeClr val="bg1"/>
-                </a:solidFill>
-                <a:latin typeface="DIN Alternate" charset="0"/>
-                <a:ea typeface="DIN Alternate" charset="0"/>
-                <a:cs typeface="DIN Alternate" charset="0"/>
-              </a:rPr>
-              <a:t>three” </a:t>
-            </a:r>
-            <a:r>
-              <a:rPr lang="en-US" sz="2800" dirty="0" smtClean="0">
-                <a:solidFill>
-                  <a:schemeClr val="bg1"/>
-                </a:solidFill>
-                <a:latin typeface="DIN Alternate" charset="0"/>
-                <a:ea typeface="DIN Alternate" charset="0"/>
-                <a:cs typeface="DIN Alternate" charset="0"/>
-              </a:rPr>
-              <a:t>folder (available on </a:t>
+              <a:t>Use the “week three” folder (available on </a:t>
             </a:r>
             <a:r>
               <a:rPr lang="en-US" sz="2800" dirty="0" err="1" smtClean="0">
@@ -11741,7 +11675,7 @@
 </p:sld>
 </file>
 
-<file path=ppt/slides/slide13.xml><?xml version="1.0" encoding="utf-8"?>
+<file path=ppt/slides/slide12.xml><?xml version="1.0" encoding="utf-8"?>
 <p:sld xmlns:a="http://schemas.openxmlformats.org/drawingml/2006/main" xmlns:r="http://schemas.openxmlformats.org/officeDocument/2006/relationships" xmlns:p="http://schemas.openxmlformats.org/presentationml/2006/main">
   <p:cSld>
     <p:spTree>
@@ -12257,7 +12191,7 @@
         <p:spPr>
           <a:xfrm>
             <a:off x="674370" y="1243245"/>
-            <a:ext cx="10658959" cy="3323987"/>
+            <a:ext cx="10658959" cy="2677656"/>
           </a:xfrm>
           <a:prstGeom prst="rect">
             <a:avLst/>
@@ -12286,7 +12220,18 @@
                 <a:ea typeface="DIN Alternate" charset="0"/>
                 <a:cs typeface="DIN Alternate" charset="0"/>
               </a:rPr>
-              <a:t>Recap (10 </a:t>
+              <a:t>Recap (</a:t>
+            </a:r>
+            <a:r>
+              <a:rPr lang="en-US" sz="2800" dirty="0" smtClean="0">
+                <a:solidFill>
+                  <a:schemeClr val="bg1"/>
+                </a:solidFill>
+                <a:latin typeface="DIN Alternate" charset="0"/>
+                <a:ea typeface="DIN Alternate" charset="0"/>
+                <a:cs typeface="DIN Alternate" charset="0"/>
+              </a:rPr>
+              <a:t>15 </a:t>
             </a:r>
             <a:r>
               <a:rPr lang="en-US" sz="2800" dirty="0" smtClean="0">
@@ -12317,7 +12262,7 @@
                 <a:ea typeface="DIN Alternate" charset="0"/>
                 <a:cs typeface="DIN Alternate" charset="0"/>
               </a:rPr>
-              <a:t>Adding </a:t>
+              <a:t>Adding Custom Fonts (</a:t>
             </a:r>
             <a:r>
               <a:rPr lang="en-US" sz="2800" dirty="0" smtClean="0">
@@ -12328,7 +12273,7 @@
                 <a:ea typeface="DIN Alternate" charset="0"/>
                 <a:cs typeface="DIN Alternate" charset="0"/>
               </a:rPr>
-              <a:t>Custom Fonts </a:t>
+              <a:t>15 </a:t>
             </a:r>
             <a:r>
               <a:rPr lang="en-US" sz="2800" dirty="0" smtClean="0">
@@ -12339,18 +12284,7 @@
                 <a:ea typeface="DIN Alternate" charset="0"/>
                 <a:cs typeface="DIN Alternate" charset="0"/>
               </a:rPr>
-              <a:t>(10 mins</a:t>
-            </a:r>
-            <a:r>
-              <a:rPr lang="en-US" sz="2800" dirty="0" smtClean="0">
-                <a:solidFill>
-                  <a:schemeClr val="bg1"/>
-                </a:solidFill>
-                <a:latin typeface="DIN Alternate" charset="0"/>
-                <a:ea typeface="DIN Alternate" charset="0"/>
-                <a:cs typeface="DIN Alternate" charset="0"/>
-              </a:rPr>
-              <a:t>)</a:t>
+              <a:t>mins)</a:t>
             </a:r>
           </a:p>
           <a:p>
@@ -12370,16 +12304,30 @@
                 <a:ea typeface="DIN Alternate" charset="0"/>
                 <a:cs typeface="DIN Alternate" charset="0"/>
               </a:rPr>
-              <a:t>Background Images (10mins)</a:t>
-            </a:r>
-            <a:endParaRPr lang="en-US" sz="2800" dirty="0" smtClean="0">
-              <a:solidFill>
-                <a:schemeClr val="bg1"/>
-              </a:solidFill>
-              <a:latin typeface="DIN Alternate" charset="0"/>
-              <a:ea typeface="DIN Alternate" charset="0"/>
-              <a:cs typeface="DIN Alternate" charset="0"/>
-            </a:endParaRPr>
+              <a:t>Background Images (</a:t>
+            </a:r>
+            <a:r>
+              <a:rPr lang="en-US" sz="2800" dirty="0" smtClean="0">
+                <a:solidFill>
+                  <a:schemeClr val="bg1"/>
+                </a:solidFill>
+                <a:latin typeface="DIN Alternate" charset="0"/>
+                <a:ea typeface="DIN Alternate" charset="0"/>
+                <a:cs typeface="DIN Alternate" charset="0"/>
+              </a:rPr>
+              <a:t>15mins</a:t>
+            </a:r>
+            <a:r>
+              <a:rPr lang="en-US" sz="2800" dirty="0" smtClean="0">
+                <a:solidFill>
+                  <a:schemeClr val="bg1"/>
+                </a:solidFill>
+                <a:latin typeface="DIN Alternate" charset="0"/>
+                <a:ea typeface="DIN Alternate" charset="0"/>
+                <a:cs typeface="DIN Alternate" charset="0"/>
+              </a:rPr>
+              <a:t>)</a:t>
+            </a:r>
           </a:p>
           <a:p>
             <a:pPr marL="457200" indent="-457200">
@@ -12398,17 +12346,8 @@
                 <a:ea typeface="DIN Alternate" charset="0"/>
                 <a:cs typeface="DIN Alternate" charset="0"/>
               </a:rPr>
-              <a:t>Media Queries (10mins)</a:t>
-            </a:r>
-          </a:p>
-          <a:p>
-            <a:pPr marL="457200" indent="-457200">
-              <a:lnSpc>
-                <a:spcPct val="150000"/>
-              </a:lnSpc>
-              <a:buFont typeface="Arial" charset="0"/>
-              <a:buChar char="•"/>
-            </a:pPr>
+              <a:t>Media Queries (</a:t>
+            </a:r>
             <a:r>
               <a:rPr lang="en-US" sz="2800" dirty="0" smtClean="0">
                 <a:solidFill>
@@ -12418,9 +12357,20 @@
                 <a:ea typeface="DIN Alternate" charset="0"/>
                 <a:cs typeface="DIN Alternate" charset="0"/>
               </a:rPr>
-              <a:t>Coding Session (20mins)</a:t>
-            </a:r>
-            <a:endParaRPr lang="en-US" sz="2800" dirty="0">
+              <a:t>15mins</a:t>
+            </a:r>
+            <a:r>
+              <a:rPr lang="en-US" sz="2800" dirty="0">
+                <a:solidFill>
+                  <a:schemeClr val="bg1"/>
+                </a:solidFill>
+                <a:latin typeface="DIN Alternate" charset="0"/>
+                <a:ea typeface="DIN Alternate" charset="0"/>
+                <a:cs typeface="DIN Alternate" charset="0"/>
+              </a:rPr>
+              <a:t>)</a:t>
+            </a:r>
+            <a:endParaRPr lang="en-US" sz="2800" dirty="0" smtClean="0">
               <a:solidFill>
                 <a:schemeClr val="bg1"/>
               </a:solidFill>
@@ -12644,14 +12594,6 @@
               </a:rPr>
               <a:t>intermediate</a:t>
             </a:r>
-            <a:endParaRPr lang="en-US" sz="2800" dirty="0" smtClean="0">
-              <a:solidFill>
-                <a:schemeClr val="bg1"/>
-              </a:solidFill>
-              <a:latin typeface="DIN Alternate" charset="0"/>
-              <a:ea typeface="DIN Alternate" charset="0"/>
-              <a:cs typeface="DIN Alternate" charset="0"/>
-            </a:endParaRPr>
           </a:p>
           <a:p>
             <a:pPr marL="514350" indent="-514350">
@@ -12670,29 +12612,7 @@
                 <a:ea typeface="DIN Alternate" charset="0"/>
                 <a:cs typeface="DIN Alternate" charset="0"/>
               </a:rPr>
-              <a:t>HTML </a:t>
-            </a:r>
-            <a:r>
-              <a:rPr lang="en-US" sz="2800" dirty="0" smtClean="0">
-                <a:solidFill>
-                  <a:schemeClr val="bg1"/>
-                </a:solidFill>
-                <a:latin typeface="DIN Alternate" charset="0"/>
-                <a:ea typeface="DIN Alternate" charset="0"/>
-                <a:cs typeface="DIN Alternate" charset="0"/>
-              </a:rPr>
-              <a:t>– </a:t>
-            </a:r>
-            <a:r>
-              <a:rPr lang="en-US" sz="2800" dirty="0" smtClean="0">
-                <a:solidFill>
-                  <a:schemeClr val="bg1"/>
-                </a:solidFill>
-                <a:latin typeface="DIN Alternate" charset="0"/>
-                <a:ea typeface="DIN Alternate" charset="0"/>
-                <a:cs typeface="DIN Alternate" charset="0"/>
-              </a:rPr>
-              <a:t>advanced</a:t>
+              <a:t>HTML – advanced</a:t>
             </a:r>
           </a:p>
           <a:p>
@@ -12952,14 +12872,6 @@
               </a:rPr>
               <a:t>intermediate</a:t>
             </a:r>
-            <a:endParaRPr lang="en-US" sz="2800" dirty="0" smtClean="0">
-              <a:solidFill>
-                <a:schemeClr val="bg1"/>
-              </a:solidFill>
-              <a:latin typeface="DIN Alternate" charset="0"/>
-              <a:ea typeface="DIN Alternate" charset="0"/>
-              <a:cs typeface="DIN Alternate" charset="0"/>
-            </a:endParaRPr>
           </a:p>
           <a:p>
             <a:pPr marL="514350" indent="-514350">
@@ -12978,29 +12890,7 @@
                 <a:ea typeface="DIN Alternate" charset="0"/>
                 <a:cs typeface="DIN Alternate" charset="0"/>
               </a:rPr>
-              <a:t>HTML </a:t>
-            </a:r>
-            <a:r>
-              <a:rPr lang="en-US" sz="2800" dirty="0" smtClean="0">
-                <a:solidFill>
-                  <a:schemeClr val="bg1"/>
-                </a:solidFill>
-                <a:latin typeface="DIN Alternate" charset="0"/>
-                <a:ea typeface="DIN Alternate" charset="0"/>
-                <a:cs typeface="DIN Alternate" charset="0"/>
-              </a:rPr>
-              <a:t>– </a:t>
-            </a:r>
-            <a:r>
-              <a:rPr lang="en-US" sz="2800" dirty="0" smtClean="0">
-                <a:solidFill>
-                  <a:schemeClr val="bg1"/>
-                </a:solidFill>
-                <a:latin typeface="DIN Alternate" charset="0"/>
-                <a:ea typeface="DIN Alternate" charset="0"/>
-                <a:cs typeface="DIN Alternate" charset="0"/>
-              </a:rPr>
-              <a:t>advanced</a:t>
+              <a:t>HTML – advanced</a:t>
             </a:r>
           </a:p>
           <a:p>
@@ -13278,7 +13168,7 @@
         <p:spPr>
           <a:xfrm>
             <a:off x="685800" y="1589291"/>
-            <a:ext cx="10658959" cy="2677656"/>
+            <a:ext cx="10658959" cy="3108543"/>
           </a:xfrm>
           <a:prstGeom prst="rect">
             <a:avLst/>
@@ -13328,6 +13218,65 @@
               </a:rPr>
               <a:t>“Custom” fonts</a:t>
             </a:r>
+          </a:p>
+          <a:p>
+            <a:pPr marL="971550" lvl="1" indent="-514350">
+              <a:buFont typeface="Arial" charset="0"/>
+              <a:buChar char="•"/>
+            </a:pPr>
+            <a:r>
+              <a:rPr lang="en-US" sz="2800" dirty="0" smtClean="0">
+                <a:solidFill>
+                  <a:schemeClr val="bg1"/>
+                </a:solidFill>
+                <a:latin typeface="DIN Alternate" charset="0"/>
+                <a:ea typeface="DIN Alternate" charset="0"/>
+                <a:cs typeface="DIN Alternate" charset="0"/>
+              </a:rPr>
+              <a:t>Standard fonts live on your computer</a:t>
+            </a:r>
+          </a:p>
+          <a:p>
+            <a:pPr marL="1428750" lvl="2" indent="-514350">
+              <a:buFont typeface="Arial" charset="0"/>
+              <a:buChar char="•"/>
+            </a:pPr>
+            <a:r>
+              <a:rPr lang="en-US" sz="2800" dirty="0">
+                <a:solidFill>
+                  <a:schemeClr val="bg1"/>
+                </a:solidFill>
+                <a:latin typeface="DIN Alternate" charset="0"/>
+                <a:ea typeface="DIN Alternate" charset="0"/>
+                <a:cs typeface="DIN Alternate" charset="0"/>
+                <a:hlinkClick r:id="rId4"/>
+              </a:rPr>
+              <a:t>Common fonts (http://</a:t>
+            </a:r>
+            <a:r>
+              <a:rPr lang="en-US" sz="2800" dirty="0" err="1">
+                <a:solidFill>
+                  <a:schemeClr val="bg1"/>
+                </a:solidFill>
+                <a:latin typeface="DIN Alternate" charset="0"/>
+                <a:ea typeface="DIN Alternate" charset="0"/>
+                <a:cs typeface="DIN Alternate" charset="0"/>
+                <a:hlinkClick r:id="rId4"/>
+              </a:rPr>
+              <a:t>www.cssfontstack.com</a:t>
+            </a:r>
+            <a:r>
+              <a:rPr lang="en-US" sz="2800" dirty="0" smtClean="0">
+                <a:solidFill>
+                  <a:schemeClr val="bg1"/>
+                </a:solidFill>
+                <a:latin typeface="DIN Alternate" charset="0"/>
+                <a:ea typeface="DIN Alternate" charset="0"/>
+                <a:cs typeface="DIN Alternate" charset="0"/>
+                <a:hlinkClick r:id="rId4"/>
+              </a:rPr>
+              <a:t>/)</a:t>
+            </a:r>
             <a:endParaRPr lang="en-US" sz="2800" dirty="0" smtClean="0">
               <a:solidFill>
                 <a:schemeClr val="bg1"/>
@@ -13351,7 +13300,7 @@
                 <a:ea typeface="DIN Alternate" charset="0"/>
                 <a:cs typeface="DIN Alternate" charset="0"/>
               </a:rPr>
-              <a:t>Standard fonts live on your computer</a:t>
+              <a:t>Custom ones can be loaded from a website</a:t>
             </a:r>
           </a:p>
           <a:p>
@@ -13367,41 +13316,10 @@
                 <a:latin typeface="DIN Alternate" charset="0"/>
                 <a:ea typeface="DIN Alternate" charset="0"/>
                 <a:cs typeface="DIN Alternate" charset="0"/>
-                <a:hlinkClick r:id="rId4"/>
-              </a:rPr>
-              <a:t>Common fonts</a:t>
-            </a:r>
-            <a:endParaRPr lang="en-US" sz="2800" dirty="0" smtClean="0">
-              <a:solidFill>
-                <a:schemeClr val="bg1"/>
-              </a:solidFill>
-              <a:latin typeface="DIN Alternate" charset="0"/>
-              <a:ea typeface="DIN Alternate" charset="0"/>
-              <a:cs typeface="DIN Alternate" charset="0"/>
-            </a:endParaRPr>
-          </a:p>
-          <a:p>
-            <a:pPr marL="971550" lvl="1" indent="-514350">
-              <a:buFont typeface="Arial" charset="0"/>
-              <a:buChar char="•"/>
-            </a:pPr>
-            <a:r>
-              <a:rPr lang="en-US" sz="2800" dirty="0" smtClean="0">
-                <a:solidFill>
-                  <a:schemeClr val="bg1"/>
-                </a:solidFill>
-                <a:latin typeface="DIN Alternate" charset="0"/>
-                <a:ea typeface="DIN Alternate" charset="0"/>
-                <a:cs typeface="DIN Alternate" charset="0"/>
-              </a:rPr>
-              <a:t>Custom ones can be loaded from a website</a:t>
-            </a:r>
-          </a:p>
-          <a:p>
-            <a:pPr marL="1428750" lvl="2" indent="-514350">
-              <a:buFont typeface="Arial" charset="0"/>
-              <a:buChar char="•"/>
-            </a:pPr>
+                <a:hlinkClick r:id="rId5"/>
+              </a:rPr>
+              <a:t>The New Yorker </a:t>
+            </a:r>
             <a:r>
               <a:rPr lang="en-US" sz="2800" dirty="0" smtClean="0">
                 <a:solidFill>
@@ -13412,7 +13330,54 @@
                 <a:cs typeface="DIN Alternate" charset="0"/>
                 <a:hlinkClick r:id="rId5"/>
               </a:rPr>
-              <a:t>The New Yorker Magazine</a:t>
+              <a:t>Magazine</a:t>
+            </a:r>
+            <a:r>
+              <a:rPr lang="en-US" sz="2800" dirty="0">
+                <a:solidFill>
+                  <a:schemeClr val="bg1"/>
+                </a:solidFill>
+                <a:latin typeface="DIN Alternate" charset="0"/>
+                <a:ea typeface="DIN Alternate" charset="0"/>
+                <a:cs typeface="DIN Alternate" charset="0"/>
+                <a:hlinkClick r:id="rId5"/>
+              </a:rPr>
+              <a:t> (http://</a:t>
+            </a:r>
+            <a:r>
+              <a:rPr lang="en-US" sz="2800" dirty="0" err="1">
+                <a:solidFill>
+                  <a:schemeClr val="bg1"/>
+                </a:solidFill>
+                <a:latin typeface="DIN Alternate" charset="0"/>
+                <a:ea typeface="DIN Alternate" charset="0"/>
+                <a:cs typeface="DIN Alternate" charset="0"/>
+                <a:hlinkClick r:id="rId5"/>
+              </a:rPr>
+              <a:t>www.newyorker.com</a:t>
+            </a:r>
+            <a:r>
+              <a:rPr lang="en-US" sz="2800" dirty="0">
+                <a:solidFill>
+                  <a:schemeClr val="bg1"/>
+                </a:solidFill>
+                <a:latin typeface="DIN Alternate" charset="0"/>
+                <a:ea typeface="DIN Alternate" charset="0"/>
+                <a:cs typeface="DIN Alternate" charset="0"/>
+                <a:hlinkClick r:id="rId5"/>
+              </a:rPr>
+              <a:t>/magazine/2009/06/29/ziggurat</a:t>
+            </a:r>
+            <a:r>
+              <a:rPr lang="en-US" sz="2800" dirty="0">
+                <a:solidFill>
+                  <a:schemeClr val="bg1"/>
+                </a:solidFill>
+                <a:latin typeface="DIN Alternate" charset="0"/>
+                <a:ea typeface="DIN Alternate" charset="0"/>
+                <a:cs typeface="DIN Alternate" charset="0"/>
+              </a:rPr>
+              <a:t>)</a:t>
             </a:r>
             <a:endParaRPr lang="en-US" sz="2800" dirty="0" smtClean="0">
               <a:solidFill>
@@ -13505,11 +13470,6 @@
               </a:rPr>
               <a:t>Adding Custom Fonts</a:t>
             </a:r>
-            <a:endParaRPr lang="en-US" sz="6000" dirty="0">
-              <a:latin typeface="DIN Alternate" charset="0"/>
-              <a:ea typeface="DIN Alternate" charset="0"/>
-              <a:cs typeface="DIN Alternate" charset="0"/>
-            </a:endParaRPr>
           </a:p>
         </p:txBody>
       </p:sp>
@@ -13832,14 +13792,6 @@
               </a:rPr>
               <a:t>A “Font Stack” declaration lists many fonts that can be used in order of priority</a:t>
             </a:r>
-            <a:endParaRPr lang="en-US" sz="2800" dirty="0" smtClean="0">
-              <a:solidFill>
-                <a:schemeClr val="bg1"/>
-              </a:solidFill>
-              <a:latin typeface="DIN Alternate" charset="0"/>
-              <a:ea typeface="DIN Alternate" charset="0"/>
-              <a:cs typeface="DIN Alternate" charset="0"/>
-            </a:endParaRPr>
           </a:p>
         </p:txBody>
       </p:sp>
@@ -13956,7 +13908,7 @@
         <p:spPr>
           <a:xfrm>
             <a:off x="423622" y="1328505"/>
-            <a:ext cx="11344758" cy="1384995"/>
+            <a:ext cx="11344758" cy="1815882"/>
           </a:xfrm>
           <a:prstGeom prst="rect">
             <a:avLst/>
@@ -14021,8 +13973,110 @@
                 <a:ea typeface="DIN Alternate" charset="0"/>
                 <a:cs typeface="DIN Alternate" charset="0"/>
               </a:rPr>
-              <a:t>Style vs. content</a:t>
-            </a:r>
+              <a:t>Style vs. </a:t>
+            </a:r>
+            <a:r>
+              <a:rPr lang="en-US" sz="2800" dirty="0" smtClean="0">
+                <a:solidFill>
+                  <a:schemeClr val="bg1"/>
+                </a:solidFill>
+                <a:latin typeface="DIN Alternate" charset="0"/>
+                <a:ea typeface="DIN Alternate" charset="0"/>
+                <a:cs typeface="DIN Alternate" charset="0"/>
+              </a:rPr>
+              <a:t>content</a:t>
+            </a:r>
+          </a:p>
+          <a:p>
+            <a:pPr marL="457200" indent="-457200">
+              <a:buFont typeface="Arial" charset="0"/>
+              <a:buChar char="•"/>
+            </a:pPr>
+            <a:r>
+              <a:rPr lang="en-US" sz="2800" dirty="0" smtClean="0">
+                <a:solidFill>
+                  <a:schemeClr val="bg1"/>
+                </a:solidFill>
+                <a:latin typeface="DIN Alternate" charset="0"/>
+                <a:ea typeface="DIN Alternate" charset="0"/>
+                <a:cs typeface="DIN Alternate" charset="0"/>
+              </a:rPr>
+              <a:t>Image formats: </a:t>
+            </a:r>
+            <a:r>
+              <a:rPr lang="en-US" sz="2800" dirty="0" err="1" smtClean="0">
+                <a:solidFill>
+                  <a:schemeClr val="bg1"/>
+                </a:solidFill>
+                <a:latin typeface="DIN Alternate" charset="0"/>
+                <a:ea typeface="DIN Alternate" charset="0"/>
+                <a:cs typeface="DIN Alternate" charset="0"/>
+              </a:rPr>
+              <a:t>png</a:t>
+            </a:r>
+            <a:r>
+              <a:rPr lang="en-US" sz="2800" dirty="0" smtClean="0">
+                <a:solidFill>
+                  <a:schemeClr val="bg1"/>
+                </a:solidFill>
+                <a:latin typeface="DIN Alternate" charset="0"/>
+                <a:ea typeface="DIN Alternate" charset="0"/>
+                <a:cs typeface="DIN Alternate" charset="0"/>
+              </a:rPr>
+              <a:t>, jpg, gif, </a:t>
+            </a:r>
+            <a:r>
+              <a:rPr lang="en-US" sz="2800" dirty="0" err="1" smtClean="0">
+                <a:solidFill>
+                  <a:schemeClr val="bg1"/>
+                </a:solidFill>
+                <a:latin typeface="DIN Alternate" charset="0"/>
+                <a:ea typeface="DIN Alternate" charset="0"/>
+                <a:cs typeface="DIN Alternate" charset="0"/>
+              </a:rPr>
+              <a:t>svg</a:t>
+            </a:r>
+            <a:r>
+              <a:rPr lang="en-US" sz="2800" dirty="0" smtClean="0">
+                <a:solidFill>
+                  <a:schemeClr val="bg1"/>
+                </a:solidFill>
+                <a:latin typeface="DIN Alternate" charset="0"/>
+                <a:ea typeface="DIN Alternate" charset="0"/>
+                <a:cs typeface="DIN Alternate" charset="0"/>
+              </a:rPr>
+              <a:t>, </a:t>
+            </a:r>
+            <a:r>
+              <a:rPr lang="en-US" sz="2800" dirty="0" err="1" smtClean="0">
+                <a:solidFill>
+                  <a:schemeClr val="bg1"/>
+                </a:solidFill>
+                <a:latin typeface="DIN Alternate" charset="0"/>
+                <a:ea typeface="DIN Alternate" charset="0"/>
+                <a:cs typeface="DIN Alternate" charset="0"/>
+              </a:rPr>
+              <a:t>etc</a:t>
+            </a:r>
+            <a:r>
+              <a:rPr lang="is-IS" sz="2800" dirty="0" smtClean="0">
+                <a:solidFill>
+                  <a:schemeClr val="bg1"/>
+                </a:solidFill>
+                <a:latin typeface="DIN Alternate" charset="0"/>
+                <a:ea typeface="DIN Alternate" charset="0"/>
+                <a:cs typeface="DIN Alternate" charset="0"/>
+              </a:rPr>
+              <a:t>…</a:t>
+            </a:r>
+            <a:endParaRPr lang="en-US" sz="2800" dirty="0" smtClean="0">
+              <a:solidFill>
+                <a:schemeClr val="bg1"/>
+              </a:solidFill>
+              <a:latin typeface="DIN Alternate" charset="0"/>
+              <a:ea typeface="DIN Alternate" charset="0"/>
+              <a:cs typeface="DIN Alternate" charset="0"/>
+            </a:endParaRPr>
           </a:p>
           <a:p>
             <a:pPr marL="457200" indent="-457200">
@@ -14757,7 +14811,7 @@
         <p:spPr>
           <a:xfrm>
             <a:off x="423622" y="1584537"/>
-            <a:ext cx="11344758" cy="2246769"/>
+            <a:ext cx="11344758" cy="4401205"/>
           </a:xfrm>
           <a:prstGeom prst="rect">
             <a:avLst/>
@@ -14906,8 +14960,149 @@
                 <a:ea typeface="DIN Alternate" charset="0"/>
                 <a:cs typeface="DIN Alternate" charset="0"/>
               </a:rPr>
-              <a:t>Evolution of “responsive web”</a:t>
-            </a:r>
+              <a:t>Evolution of “responsive web</a:t>
+            </a:r>
+            <a:r>
+              <a:rPr lang="en-US" sz="2800" dirty="0" smtClean="0">
+                <a:solidFill>
+                  <a:schemeClr val="bg1"/>
+                </a:solidFill>
+                <a:latin typeface="DIN Alternate" charset="0"/>
+                <a:ea typeface="DIN Alternate" charset="0"/>
+                <a:cs typeface="DIN Alternate" charset="0"/>
+              </a:rPr>
+              <a:t>”</a:t>
+            </a:r>
+          </a:p>
+          <a:p>
+            <a:pPr marL="457200" indent="-457200">
+              <a:buFont typeface="Arial" charset="0"/>
+              <a:buChar char="•"/>
+            </a:pPr>
+            <a:endParaRPr lang="en-US" sz="2800" dirty="0">
+              <a:solidFill>
+                <a:schemeClr val="bg1"/>
+              </a:solidFill>
+              <a:latin typeface="DIN Alternate" charset="0"/>
+              <a:ea typeface="DIN Alternate" charset="0"/>
+              <a:cs typeface="DIN Alternate" charset="0"/>
+            </a:endParaRPr>
+          </a:p>
+          <a:p>
+            <a:pPr marL="457200" indent="-457200">
+              <a:buFont typeface="Arial" charset="0"/>
+              <a:buChar char="•"/>
+            </a:pPr>
+            <a:endParaRPr lang="en-US" sz="2800" dirty="0" smtClean="0">
+              <a:solidFill>
+                <a:schemeClr val="bg1"/>
+              </a:solidFill>
+              <a:latin typeface="DIN Alternate" charset="0"/>
+              <a:ea typeface="DIN Alternate" charset="0"/>
+              <a:cs typeface="DIN Alternate" charset="0"/>
+            </a:endParaRPr>
+          </a:p>
+          <a:p>
+            <a:pPr marL="457200" indent="-457200">
+              <a:buFont typeface="Arial" charset="0"/>
+              <a:buChar char="•"/>
+            </a:pPr>
+            <a:endParaRPr lang="en-US" sz="2800" dirty="0">
+              <a:solidFill>
+                <a:schemeClr val="bg1"/>
+              </a:solidFill>
+              <a:latin typeface="DIN Alternate" charset="0"/>
+              <a:ea typeface="DIN Alternate" charset="0"/>
+              <a:cs typeface="DIN Alternate" charset="0"/>
+            </a:endParaRPr>
+          </a:p>
+          <a:p>
+            <a:pPr marL="457200" indent="-457200">
+              <a:buFont typeface="Arial" charset="0"/>
+              <a:buChar char="•"/>
+            </a:pPr>
+            <a:endParaRPr lang="en-US" sz="2800" dirty="0" smtClean="0">
+              <a:solidFill>
+                <a:schemeClr val="bg1"/>
+              </a:solidFill>
+              <a:latin typeface="DIN Alternate" charset="0"/>
+              <a:ea typeface="DIN Alternate" charset="0"/>
+              <a:cs typeface="DIN Alternate" charset="0"/>
+            </a:endParaRPr>
+          </a:p>
+          <a:p>
+            <a:pPr marL="457200" indent="-457200">
+              <a:buFont typeface="Arial" charset="0"/>
+              <a:buChar char="•"/>
+            </a:pPr>
+            <a:r>
+              <a:rPr lang="en-US" sz="2800" dirty="0">
+                <a:solidFill>
+                  <a:schemeClr val="bg1"/>
+                </a:solidFill>
+                <a:latin typeface="DIN Alternate" charset="0"/>
+                <a:ea typeface="DIN Alternate" charset="0"/>
+                <a:cs typeface="DIN Alternate" charset="0"/>
+                <a:hlinkClick r:id="rId5"/>
+              </a:rPr>
+              <a:t>http://</a:t>
+            </a:r>
+            <a:r>
+              <a:rPr lang="en-US" sz="2800" dirty="0" err="1">
+                <a:solidFill>
+                  <a:schemeClr val="bg1"/>
+                </a:solidFill>
+                <a:latin typeface="DIN Alternate" charset="0"/>
+                <a:ea typeface="DIN Alternate" charset="0"/>
+                <a:cs typeface="DIN Alternate" charset="0"/>
+                <a:hlinkClick r:id="rId5"/>
+              </a:rPr>
+              <a:t>www.lukew.com</a:t>
+            </a:r>
+            <a:r>
+              <a:rPr lang="en-US" sz="2800" dirty="0">
+                <a:solidFill>
+                  <a:schemeClr val="bg1"/>
+                </a:solidFill>
+                <a:latin typeface="DIN Alternate" charset="0"/>
+                <a:ea typeface="DIN Alternate" charset="0"/>
+                <a:cs typeface="DIN Alternate" charset="0"/>
+                <a:hlinkClick r:id="rId5"/>
+              </a:rPr>
+              <a:t>/</a:t>
+            </a:r>
+            <a:r>
+              <a:rPr lang="en-US" sz="2800" dirty="0" err="1">
+                <a:solidFill>
+                  <a:schemeClr val="bg1"/>
+                </a:solidFill>
+                <a:latin typeface="DIN Alternate" charset="0"/>
+                <a:ea typeface="DIN Alternate" charset="0"/>
+                <a:cs typeface="DIN Alternate" charset="0"/>
+                <a:hlinkClick r:id="rId5"/>
+              </a:rPr>
+              <a:t>ff</a:t>
+            </a:r>
+            <a:r>
+              <a:rPr lang="en-US" sz="2800" dirty="0">
+                <a:solidFill>
+                  <a:schemeClr val="bg1"/>
+                </a:solidFill>
+                <a:latin typeface="DIN Alternate" charset="0"/>
+                <a:ea typeface="DIN Alternate" charset="0"/>
+                <a:cs typeface="DIN Alternate" charset="0"/>
+                <a:hlinkClick r:id="rId5"/>
+              </a:rPr>
+              <a:t>/entry.asp?1514</a:t>
+            </a:r>
+            <a:endParaRPr lang="en-US" sz="2800" dirty="0" smtClean="0">
+              <a:solidFill>
+                <a:schemeClr val="bg1"/>
+              </a:solidFill>
+              <a:latin typeface="DIN Alternate" charset="0"/>
+              <a:ea typeface="DIN Alternate" charset="0"/>
+              <a:cs typeface="DIN Alternate" charset="0"/>
+            </a:endParaRPr>
           </a:p>
         </p:txBody>
       </p:sp>
@@ -14918,18 +15113,18 @@
           <p:nvPr>
             <p:extLst>
               <p:ext uri="{D42A27DB-BD31-4B8C-83A1-F6EECF244321}">
-                <p14:modId xmlns:p14="http://schemas.microsoft.com/office/powerpoint/2010/main" val="712674693"/>
+                <p14:modId xmlns:p14="http://schemas.microsoft.com/office/powerpoint/2010/main" val="1708231640"/>
               </p:ext>
             </p:extLst>
           </p:nvPr>
         </p:nvGraphicFramePr>
         <p:xfrm>
-          <a:off x="950976" y="3596640"/>
+          <a:off x="950976" y="3497785"/>
           <a:ext cx="8034528" cy="2092881"/>
         </p:xfrm>
         <a:graphic>
           <a:graphicData uri="http://schemas.openxmlformats.org/drawingml/2006/diagram">
-            <dgm:relIds xmlns:dgm="http://schemas.openxmlformats.org/drawingml/2006/diagram" xmlns:r="http://schemas.openxmlformats.org/officeDocument/2006/relationships" r:dm="rId5" r:lo="rId6" r:qs="rId7" r:cs="rId8"/>
+            <dgm:relIds xmlns:dgm="http://schemas.openxmlformats.org/drawingml/2006/diagram" xmlns:r="http://schemas.openxmlformats.org/officeDocument/2006/relationships" r:dm="rId6" r:lo="rId7" r:qs="rId8" r:cs="rId9"/>
           </a:graphicData>
         </a:graphic>
       </p:graphicFrame>

--- a/FEWorkshop-Week3.pptx
+++ b/FEWorkshop-Week3.pptx
@@ -10,9 +10,9 @@
   </p:notesMasterIdLst>
   <p:sldIdLst>
     <p:sldId id="277" r:id="rId6"/>
-    <p:sldId id="309" r:id="rId7"/>
-    <p:sldId id="307" r:id="rId8"/>
-    <p:sldId id="336" r:id="rId9"/>
+    <p:sldId id="307" r:id="rId7"/>
+    <p:sldId id="336" r:id="rId8"/>
+    <p:sldId id="343" r:id="rId9"/>
     <p:sldId id="308" r:id="rId10"/>
     <p:sldId id="337" r:id="rId11"/>
     <p:sldId id="338" r:id="rId12"/>
@@ -3970,7 +3970,7 @@
     </p:spTree>
     <p:extLst>
       <p:ext uri="{BB962C8B-B14F-4D97-AF65-F5344CB8AC3E}">
-        <p14:creationId xmlns:p14="http://schemas.microsoft.com/office/powerpoint/2010/main" val="1976827505"/>
+        <p14:creationId xmlns:p14="http://schemas.microsoft.com/office/powerpoint/2010/main" val="1989854031"/>
       </p:ext>
     </p:extLst>
   </p:cSld>
@@ -4222,7 +4222,7 @@
     </p:spTree>
     <p:extLst>
       <p:ext uri="{BB962C8B-B14F-4D97-AF65-F5344CB8AC3E}">
-        <p14:creationId xmlns:p14="http://schemas.microsoft.com/office/powerpoint/2010/main" val="1989854031"/>
+        <p14:creationId xmlns:p14="http://schemas.microsoft.com/office/powerpoint/2010/main" val="1359831201"/>
       </p:ext>
     </p:extLst>
   </p:cSld>
@@ -4306,7 +4306,7 @@
     </p:spTree>
     <p:extLst>
       <p:ext uri="{BB962C8B-B14F-4D97-AF65-F5344CB8AC3E}">
-        <p14:creationId xmlns:p14="http://schemas.microsoft.com/office/powerpoint/2010/main" val="1359831201"/>
+        <p14:creationId xmlns:p14="http://schemas.microsoft.com/office/powerpoint/2010/main" val="1747189456"/>
       </p:ext>
     </p:extLst>
   </p:cSld>
@@ -12134,317 +12134,6 @@
                 <a:ea typeface="DIN Alternate" charset="0"/>
                 <a:cs typeface="DIN Alternate" charset="0"/>
               </a:rPr>
-              <a:t>Week </a:t>
-            </a:r>
-            <a:r>
-              <a:rPr lang="en-US" sz="6000" dirty="0" err="1" smtClean="0">
-                <a:latin typeface="DIN Alternate" charset="0"/>
-                <a:ea typeface="DIN Alternate" charset="0"/>
-                <a:cs typeface="DIN Alternate" charset="0"/>
-              </a:rPr>
-              <a:t>THree</a:t>
-            </a:r>
-            <a:endParaRPr lang="en-US" sz="6000" dirty="0">
-              <a:latin typeface="DIN Alternate" charset="0"/>
-              <a:ea typeface="DIN Alternate" charset="0"/>
-              <a:cs typeface="DIN Alternate" charset="0"/>
-            </a:endParaRPr>
-          </a:p>
-        </p:txBody>
-      </p:sp>
-      <p:pic>
-        <p:nvPicPr>
-          <p:cNvPr id="7" name="Picture 6" descr="DEL_SEC_Digital_RGB.png"/>
-          <p:cNvPicPr>
-            <a:picLocks noChangeAspect="1"/>
-          </p:cNvPicPr>
-          <p:nvPr/>
-        </p:nvPicPr>
-        <p:blipFill>
-          <a:blip r:embed="rId3" cstate="print">
-            <a:extLst>
-              <a:ext uri="{28A0092B-C50C-407E-A947-70E740481C1C}">
-                <a14:useLocalDpi xmlns:a14="http://schemas.microsoft.com/office/drawing/2010/main" val="0"/>
-              </a:ext>
-            </a:extLst>
-          </a:blip>
-          <a:stretch>
-            <a:fillRect/>
-          </a:stretch>
-        </p:blipFill>
-        <p:spPr>
-          <a:xfrm>
-            <a:off x="10717213" y="6016918"/>
-            <a:ext cx="876713" cy="404465"/>
-          </a:xfrm>
-          <a:prstGeom prst="rect">
-            <a:avLst/>
-          </a:prstGeom>
-        </p:spPr>
-      </p:pic>
-      <p:sp>
-        <p:nvSpPr>
-          <p:cNvPr id="3" name="TextBox 2"/>
-          <p:cNvSpPr txBox="1"/>
-          <p:nvPr/>
-        </p:nvSpPr>
-        <p:spPr>
-          <a:xfrm>
-            <a:off x="674370" y="1243245"/>
-            <a:ext cx="10658959" cy="2677656"/>
-          </a:xfrm>
-          <a:prstGeom prst="rect">
-            <a:avLst/>
-          </a:prstGeom>
-          <a:noFill/>
-        </p:spPr>
-        <p:txBody>
-          <a:bodyPr wrap="square" rtlCol="0">
-            <a:spAutoFit/>
-          </a:bodyPr>
-          <a:lstStyle/>
-          <a:p>
-            <a:pPr marL="457200" indent="-457200">
-              <a:lnSpc>
-                <a:spcPct val="150000"/>
-              </a:lnSpc>
-              <a:buFont typeface="Arial" charset="0"/>
-              <a:buChar char="•"/>
-            </a:pPr>
-            <a:r>
-              <a:rPr lang="en-US" sz="2800" dirty="0" smtClean="0">
-                <a:solidFill>
-                  <a:schemeClr val="bg1"/>
-                </a:solidFill>
-                <a:latin typeface="DIN Alternate" charset="0"/>
-                <a:ea typeface="DIN Alternate" charset="0"/>
-                <a:cs typeface="DIN Alternate" charset="0"/>
-              </a:rPr>
-              <a:t>Recap (</a:t>
-            </a:r>
-            <a:r>
-              <a:rPr lang="en-US" sz="2800" dirty="0" smtClean="0">
-                <a:solidFill>
-                  <a:schemeClr val="bg1"/>
-                </a:solidFill>
-                <a:latin typeface="DIN Alternate" charset="0"/>
-                <a:ea typeface="DIN Alternate" charset="0"/>
-                <a:cs typeface="DIN Alternate" charset="0"/>
-              </a:rPr>
-              <a:t>15 </a:t>
-            </a:r>
-            <a:r>
-              <a:rPr lang="en-US" sz="2800" dirty="0" smtClean="0">
-                <a:solidFill>
-                  <a:schemeClr val="bg1"/>
-                </a:solidFill>
-                <a:latin typeface="DIN Alternate" charset="0"/>
-                <a:ea typeface="DIN Alternate" charset="0"/>
-                <a:cs typeface="DIN Alternate" charset="0"/>
-              </a:rPr>
-              <a:t>mins)</a:t>
-            </a:r>
-          </a:p>
-          <a:p>
-            <a:pPr marL="457200" indent="-457200">
-              <a:lnSpc>
-                <a:spcPct val="150000"/>
-              </a:lnSpc>
-              <a:buFont typeface="Arial" charset="0"/>
-              <a:buChar char="•"/>
-            </a:pPr>
-            <a:r>
-              <a:rPr lang="en-US" sz="2800" dirty="0" smtClean="0">
-                <a:solidFill>
-                  <a:schemeClr val="bg1"/>
-                </a:solidFill>
-                <a:latin typeface="DIN Alternate" charset="0"/>
-                <a:ea typeface="DIN Alternate" charset="0"/>
-                <a:cs typeface="DIN Alternate" charset="0"/>
-              </a:rPr>
-              <a:t>Adding Custom Fonts (</a:t>
-            </a:r>
-            <a:r>
-              <a:rPr lang="en-US" sz="2800" dirty="0" smtClean="0">
-                <a:solidFill>
-                  <a:schemeClr val="bg1"/>
-                </a:solidFill>
-                <a:latin typeface="DIN Alternate" charset="0"/>
-                <a:ea typeface="DIN Alternate" charset="0"/>
-                <a:cs typeface="DIN Alternate" charset="0"/>
-              </a:rPr>
-              <a:t>15 </a:t>
-            </a:r>
-            <a:r>
-              <a:rPr lang="en-US" sz="2800" dirty="0" smtClean="0">
-                <a:solidFill>
-                  <a:schemeClr val="bg1"/>
-                </a:solidFill>
-                <a:latin typeface="DIN Alternate" charset="0"/>
-                <a:ea typeface="DIN Alternate" charset="0"/>
-                <a:cs typeface="DIN Alternate" charset="0"/>
-              </a:rPr>
-              <a:t>mins)</a:t>
-            </a:r>
-          </a:p>
-          <a:p>
-            <a:pPr marL="457200" indent="-457200">
-              <a:lnSpc>
-                <a:spcPct val="150000"/>
-              </a:lnSpc>
-              <a:buFont typeface="Arial" charset="0"/>
-              <a:buChar char="•"/>
-            </a:pPr>
-            <a:r>
-              <a:rPr lang="en-US" sz="2800" dirty="0" smtClean="0">
-                <a:solidFill>
-                  <a:schemeClr val="bg1"/>
-                </a:solidFill>
-                <a:latin typeface="DIN Alternate" charset="0"/>
-                <a:ea typeface="DIN Alternate" charset="0"/>
-                <a:cs typeface="DIN Alternate" charset="0"/>
-              </a:rPr>
-              <a:t>Background Images (</a:t>
-            </a:r>
-            <a:r>
-              <a:rPr lang="en-US" sz="2800" dirty="0" smtClean="0">
-                <a:solidFill>
-                  <a:schemeClr val="bg1"/>
-                </a:solidFill>
-                <a:latin typeface="DIN Alternate" charset="0"/>
-                <a:ea typeface="DIN Alternate" charset="0"/>
-                <a:cs typeface="DIN Alternate" charset="0"/>
-              </a:rPr>
-              <a:t>15mins</a:t>
-            </a:r>
-            <a:r>
-              <a:rPr lang="en-US" sz="2800" dirty="0" smtClean="0">
-                <a:solidFill>
-                  <a:schemeClr val="bg1"/>
-                </a:solidFill>
-                <a:latin typeface="DIN Alternate" charset="0"/>
-                <a:ea typeface="DIN Alternate" charset="0"/>
-                <a:cs typeface="DIN Alternate" charset="0"/>
-              </a:rPr>
-              <a:t>)</a:t>
-            </a:r>
-          </a:p>
-          <a:p>
-            <a:pPr marL="457200" indent="-457200">
-              <a:lnSpc>
-                <a:spcPct val="150000"/>
-              </a:lnSpc>
-              <a:buFont typeface="Arial" charset="0"/>
-              <a:buChar char="•"/>
-            </a:pPr>
-            <a:r>
-              <a:rPr lang="en-US" sz="2800" dirty="0" smtClean="0">
-                <a:solidFill>
-                  <a:schemeClr val="bg1"/>
-                </a:solidFill>
-                <a:latin typeface="DIN Alternate" charset="0"/>
-                <a:ea typeface="DIN Alternate" charset="0"/>
-                <a:cs typeface="DIN Alternate" charset="0"/>
-              </a:rPr>
-              <a:t>Media Queries (</a:t>
-            </a:r>
-            <a:r>
-              <a:rPr lang="en-US" sz="2800" dirty="0" smtClean="0">
-                <a:solidFill>
-                  <a:schemeClr val="bg1"/>
-                </a:solidFill>
-                <a:latin typeface="DIN Alternate" charset="0"/>
-                <a:ea typeface="DIN Alternate" charset="0"/>
-                <a:cs typeface="DIN Alternate" charset="0"/>
-              </a:rPr>
-              <a:t>15mins</a:t>
-            </a:r>
-            <a:r>
-              <a:rPr lang="en-US" sz="2800" dirty="0">
-                <a:solidFill>
-                  <a:schemeClr val="bg1"/>
-                </a:solidFill>
-                <a:latin typeface="DIN Alternate" charset="0"/>
-                <a:ea typeface="DIN Alternate" charset="0"/>
-                <a:cs typeface="DIN Alternate" charset="0"/>
-              </a:rPr>
-              <a:t>)</a:t>
-            </a:r>
-            <a:endParaRPr lang="en-US" sz="2800" dirty="0" smtClean="0">
-              <a:solidFill>
-                <a:schemeClr val="bg1"/>
-              </a:solidFill>
-              <a:latin typeface="DIN Alternate" charset="0"/>
-              <a:ea typeface="DIN Alternate" charset="0"/>
-              <a:cs typeface="DIN Alternate" charset="0"/>
-            </a:endParaRPr>
-          </a:p>
-        </p:txBody>
-      </p:sp>
-    </p:spTree>
-    <p:extLst>
-      <p:ext uri="{BB962C8B-B14F-4D97-AF65-F5344CB8AC3E}">
-        <p14:creationId xmlns:p14="http://schemas.microsoft.com/office/powerpoint/2010/main" val="320956046"/>
-      </p:ext>
-    </p:extLst>
-  </p:cSld>
-  <p:clrMapOvr>
-    <a:masterClrMapping/>
-  </p:clrMapOvr>
-  <p:timing>
-    <p:tnLst>
-      <p:par>
-        <p:cTn id="1" dur="indefinite" restart="never" nodeType="tmRoot"/>
-      </p:par>
-    </p:tnLst>
-  </p:timing>
-</p:sld>
-</file>
-
-<file path=ppt/slides/slide3.xml><?xml version="1.0" encoding="utf-8"?>
-<p:sld xmlns:a="http://schemas.openxmlformats.org/drawingml/2006/main" xmlns:r="http://schemas.openxmlformats.org/officeDocument/2006/relationships" xmlns:p="http://schemas.openxmlformats.org/presentationml/2006/main">
-  <p:cSld>
-    <p:spTree>
-      <p:nvGrpSpPr>
-        <p:cNvPr id="1" name=""/>
-        <p:cNvGrpSpPr/>
-        <p:nvPr/>
-      </p:nvGrpSpPr>
-      <p:grpSpPr>
-        <a:xfrm>
-          <a:off x="0" y="0"/>
-          <a:ext cx="0" cy="0"/>
-          <a:chOff x="0" y="0"/>
-          <a:chExt cx="0" cy="0"/>
-        </a:xfrm>
-      </p:grpSpPr>
-      <p:sp>
-        <p:nvSpPr>
-          <p:cNvPr id="26" name="Title 25"/>
-          <p:cNvSpPr>
-            <a:spLocks noGrp="1"/>
-          </p:cNvSpPr>
-          <p:nvPr>
-            <p:ph type="ctrTitle"/>
-          </p:nvPr>
-        </p:nvSpPr>
-        <p:spPr>
-          <a:xfrm>
-            <a:off x="1" y="555729"/>
-            <a:ext cx="12192000" cy="892071"/>
-          </a:xfrm>
-        </p:spPr>
-        <p:txBody>
-          <a:bodyPr anchor="t"/>
-          <a:lstStyle/>
-          <a:p>
-            <a:pPr algn="ctr"/>
-            <a:r>
-              <a:rPr lang="en-US" sz="6000" dirty="0" smtClean="0">
-                <a:latin typeface="DIN Alternate" charset="0"/>
-                <a:ea typeface="DIN Alternate" charset="0"/>
-                <a:cs typeface="DIN Alternate" charset="0"/>
-              </a:rPr>
               <a:t>Review</a:t>
             </a:r>
             <a:endParaRPr lang="en-US" sz="6000" dirty="0">
@@ -12604,7 +12293,7 @@
               <a:buAutoNum type="arabicPeriod"/>
             </a:pPr>
             <a:r>
-              <a:rPr lang="en-US" sz="2800" dirty="0" smtClean="0">
+              <a:rPr lang="en-US" sz="2800" dirty="0" err="1" smtClean="0">
                 <a:solidFill>
                   <a:schemeClr val="bg1"/>
                 </a:solidFill>
@@ -12612,7 +12301,40 @@
                 <a:ea typeface="DIN Alternate" charset="0"/>
                 <a:cs typeface="DIN Alternate" charset="0"/>
               </a:rPr>
-              <a:t>HTML – advanced</a:t>
+              <a:t>Javascript</a:t>
+            </a:r>
+            <a:r>
+              <a:rPr lang="en-US" sz="2800" dirty="0" smtClean="0">
+                <a:solidFill>
+                  <a:schemeClr val="bg1"/>
+                </a:solidFill>
+                <a:latin typeface="DIN Alternate" charset="0"/>
+                <a:ea typeface="DIN Alternate" charset="0"/>
+                <a:cs typeface="DIN Alternate" charset="0"/>
+              </a:rPr>
+              <a:t> </a:t>
+            </a:r>
+            <a:r>
+              <a:rPr lang="en-US" sz="2800" dirty="0">
+                <a:solidFill>
+                  <a:schemeClr val="bg1"/>
+                </a:solidFill>
+                <a:latin typeface="DIN Alternate" charset="0"/>
+                <a:ea typeface="DIN Alternate" charset="0"/>
+                <a:cs typeface="DIN Alternate" charset="0"/>
+              </a:rPr>
+              <a:t>(</a:t>
+            </a:r>
+            <a:r>
+              <a:rPr lang="en-US" sz="2800" dirty="0" smtClean="0">
+                <a:solidFill>
+                  <a:schemeClr val="bg1"/>
+                </a:solidFill>
+                <a:latin typeface="DIN Alternate" charset="0"/>
+                <a:ea typeface="DIN Alternate" charset="0"/>
+                <a:cs typeface="DIN Alternate" charset="0"/>
+              </a:rPr>
+              <a:t>jQuery)</a:t>
             </a:r>
           </a:p>
           <a:p>
@@ -12634,28 +12356,14 @@
               </a:rPr>
               <a:t>Heroku</a:t>
             </a:r>
-            <a:r>
-              <a:rPr lang="en-US" sz="2800" dirty="0" smtClean="0">
-                <a:solidFill>
-                  <a:schemeClr val="bg1"/>
-                </a:solidFill>
-                <a:latin typeface="DIN Alternate" charset="0"/>
-                <a:ea typeface="DIN Alternate" charset="0"/>
-                <a:cs typeface="DIN Alternate" charset="0"/>
-              </a:rPr>
-              <a:t> </a:t>
-            </a:r>
-            <a:r>
-              <a:rPr lang="en-US" sz="2800" dirty="0">
-                <a:solidFill>
-                  <a:schemeClr val="bg1"/>
-                </a:solidFill>
-                <a:latin typeface="DIN Alternate" charset="0"/>
-                <a:ea typeface="DIN Alternate" charset="0"/>
-                <a:cs typeface="DIN Alternate" charset="0"/>
-              </a:rPr>
-              <a:t>/ JS (jQuery) - basics</a:t>
-            </a:r>
+            <a:endParaRPr lang="en-US" sz="2800" dirty="0">
+              <a:solidFill>
+                <a:schemeClr val="bg1"/>
+              </a:solidFill>
+              <a:latin typeface="DIN Alternate" charset="0"/>
+              <a:ea typeface="DIN Alternate" charset="0"/>
+              <a:cs typeface="DIN Alternate" charset="0"/>
+            </a:endParaRPr>
           </a:p>
         </p:txBody>
       </p:sp>
@@ -12679,7 +12387,7 @@
 </p:sld>
 </file>
 
-<file path=ppt/slides/slide4.xml><?xml version="1.0" encoding="utf-8"?>
+<file path=ppt/slides/slide3.xml><?xml version="1.0" encoding="utf-8"?>
 <p:sld xmlns:a="http://schemas.openxmlformats.org/drawingml/2006/main" xmlns:r="http://schemas.openxmlformats.org/officeDocument/2006/relationships" xmlns:p="http://schemas.openxmlformats.org/presentationml/2006/main">
   <p:cSld>
     <p:spTree>
@@ -12959,6 +12667,10 @@
           </a:bodyPr>
           <a:lstStyle/>
           <a:p>
+            <a:pPr marL="457200" indent="-457200">
+              <a:buFont typeface="Arial" charset="0"/>
+              <a:buChar char="•"/>
+            </a:pPr>
             <a:r>
               <a:rPr lang="en-US" sz="2800" dirty="0" smtClean="0">
                 <a:solidFill>
@@ -12972,6 +12684,10 @@
             </a:r>
           </a:p>
           <a:p>
+            <a:pPr marL="457200" indent="-457200">
+              <a:buFont typeface="Arial" charset="0"/>
+              <a:buChar char="•"/>
+            </a:pPr>
             <a:r>
               <a:rPr lang="en-US" sz="2800" dirty="0" smtClean="0">
                 <a:solidFill>
@@ -12985,6 +12701,10 @@
             </a:r>
           </a:p>
           <a:p>
+            <a:pPr marL="457200" indent="-457200">
+              <a:buFont typeface="Arial" charset="0"/>
+              <a:buChar char="•"/>
+            </a:pPr>
             <a:r>
               <a:rPr lang="en-US" sz="2800" dirty="0" smtClean="0">
                 <a:solidFill>
@@ -12998,6 +12718,10 @@
             </a:r>
           </a:p>
           <a:p>
+            <a:pPr marL="457200" indent="-457200">
+              <a:buFont typeface="Arial" charset="0"/>
+              <a:buChar char="•"/>
+            </a:pPr>
             <a:r>
               <a:rPr lang="en-US" sz="2800" dirty="0" smtClean="0">
                 <a:solidFill>
@@ -13059,6 +12783,413 @@
     <p:extLst>
       <p:ext uri="{BB962C8B-B14F-4D97-AF65-F5344CB8AC3E}">
         <p14:creationId xmlns:p14="http://schemas.microsoft.com/office/powerpoint/2010/main" val="1513298546"/>
+      </p:ext>
+    </p:extLst>
+  </p:cSld>
+  <p:clrMapOvr>
+    <a:masterClrMapping/>
+  </p:clrMapOvr>
+  <p:timing>
+    <p:tnLst>
+      <p:par>
+        <p:cTn id="1" dur="indefinite" restart="never" nodeType="tmRoot"/>
+      </p:par>
+    </p:tnLst>
+  </p:timing>
+</p:sld>
+</file>
+
+<file path=ppt/slides/slide4.xml><?xml version="1.0" encoding="utf-8"?>
+<p:sld xmlns:a="http://schemas.openxmlformats.org/drawingml/2006/main" xmlns:r="http://schemas.openxmlformats.org/officeDocument/2006/relationships" xmlns:p="http://schemas.openxmlformats.org/presentationml/2006/main">
+  <p:cSld>
+    <p:spTree>
+      <p:nvGrpSpPr>
+        <p:cNvPr id="1" name=""/>
+        <p:cNvGrpSpPr/>
+        <p:nvPr/>
+      </p:nvGrpSpPr>
+      <p:grpSpPr>
+        <a:xfrm>
+          <a:off x="0" y="0"/>
+          <a:ext cx="0" cy="0"/>
+          <a:chOff x="0" y="0"/>
+          <a:chExt cx="0" cy="0"/>
+        </a:xfrm>
+      </p:grpSpPr>
+      <p:sp>
+        <p:nvSpPr>
+          <p:cNvPr id="26" name="Title 25"/>
+          <p:cNvSpPr>
+            <a:spLocks noGrp="1"/>
+          </p:cNvSpPr>
+          <p:nvPr>
+            <p:ph type="ctrTitle"/>
+          </p:nvPr>
+        </p:nvSpPr>
+        <p:spPr>
+          <a:xfrm>
+            <a:off x="1" y="555729"/>
+            <a:ext cx="12192000" cy="892071"/>
+          </a:xfrm>
+        </p:spPr>
+        <p:txBody>
+          <a:bodyPr anchor="t"/>
+          <a:lstStyle/>
+          <a:p>
+            <a:pPr algn="ctr"/>
+            <a:r>
+              <a:rPr lang="en-US" sz="6000" dirty="0" smtClean="0">
+                <a:latin typeface="DIN Alternate" charset="0"/>
+                <a:ea typeface="DIN Alternate" charset="0"/>
+                <a:cs typeface="DIN Alternate" charset="0"/>
+              </a:rPr>
+              <a:t>This week</a:t>
+            </a:r>
+            <a:endParaRPr lang="en-US" sz="6000" dirty="0">
+              <a:latin typeface="DIN Alternate" charset="0"/>
+              <a:ea typeface="DIN Alternate" charset="0"/>
+              <a:cs typeface="DIN Alternate" charset="0"/>
+            </a:endParaRPr>
+          </a:p>
+        </p:txBody>
+      </p:sp>
+      <p:pic>
+        <p:nvPicPr>
+          <p:cNvPr id="7" name="Picture 6" descr="DEL_SEC_Digital_RGB.png"/>
+          <p:cNvPicPr>
+            <a:picLocks noChangeAspect="1"/>
+          </p:cNvPicPr>
+          <p:nvPr/>
+        </p:nvPicPr>
+        <p:blipFill>
+          <a:blip r:embed="rId3" cstate="print">
+            <a:extLst>
+              <a:ext uri="{28A0092B-C50C-407E-A947-70E740481C1C}">
+                <a14:useLocalDpi xmlns:a14="http://schemas.microsoft.com/office/drawing/2010/main" val="0"/>
+              </a:ext>
+            </a:extLst>
+          </a:blip>
+          <a:stretch>
+            <a:fillRect/>
+          </a:stretch>
+        </p:blipFill>
+        <p:spPr>
+          <a:xfrm>
+            <a:off x="10717213" y="6016918"/>
+            <a:ext cx="876713" cy="404465"/>
+          </a:xfrm>
+          <a:prstGeom prst="rect">
+            <a:avLst/>
+          </a:prstGeom>
+        </p:spPr>
+      </p:pic>
+      <p:sp>
+        <p:nvSpPr>
+          <p:cNvPr id="3" name="TextBox 2"/>
+          <p:cNvSpPr txBox="1"/>
+          <p:nvPr/>
+        </p:nvSpPr>
+        <p:spPr>
+          <a:xfrm>
+            <a:off x="685800" y="1589291"/>
+            <a:ext cx="10658959" cy="3970318"/>
+          </a:xfrm>
+          <a:prstGeom prst="rect">
+            <a:avLst/>
+          </a:prstGeom>
+          <a:noFill/>
+        </p:spPr>
+        <p:txBody>
+          <a:bodyPr wrap="square" rtlCol="0">
+            <a:spAutoFit/>
+          </a:bodyPr>
+          <a:lstStyle/>
+          <a:p>
+            <a:pPr>
+              <a:lnSpc>
+                <a:spcPct val="150000"/>
+              </a:lnSpc>
+            </a:pPr>
+            <a:r>
+              <a:rPr lang="en-US" sz="2800" dirty="0" smtClean="0">
+                <a:solidFill>
+                  <a:schemeClr val="bg1"/>
+                </a:solidFill>
+                <a:latin typeface="DIN Alternate" charset="0"/>
+                <a:ea typeface="DIN Alternate" charset="0"/>
+                <a:cs typeface="DIN Alternate" charset="0"/>
+              </a:rPr>
+              <a:t>Tentative timeline:</a:t>
+            </a:r>
+          </a:p>
+          <a:p>
+            <a:pPr marL="514350" indent="-514350">
+              <a:lnSpc>
+                <a:spcPct val="150000"/>
+              </a:lnSpc>
+              <a:buFont typeface="+mj-lt"/>
+              <a:buAutoNum type="arabicPeriod"/>
+            </a:pPr>
+            <a:r>
+              <a:rPr lang="en-US" sz="2800" dirty="0" smtClean="0">
+                <a:solidFill>
+                  <a:schemeClr val="bg1"/>
+                </a:solidFill>
+                <a:latin typeface="DIN Alternate" charset="0"/>
+                <a:ea typeface="DIN Alternate" charset="0"/>
+                <a:cs typeface="DIN Alternate" charset="0"/>
+              </a:rPr>
+              <a:t>HTML – basics</a:t>
+            </a:r>
+          </a:p>
+          <a:p>
+            <a:pPr marL="514350" indent="-514350">
+              <a:lnSpc>
+                <a:spcPct val="150000"/>
+              </a:lnSpc>
+              <a:buFont typeface="+mj-lt"/>
+              <a:buAutoNum type="arabicPeriod"/>
+            </a:pPr>
+            <a:r>
+              <a:rPr lang="en-US" sz="2800" dirty="0" smtClean="0">
+                <a:solidFill>
+                  <a:schemeClr val="bg1"/>
+                </a:solidFill>
+                <a:latin typeface="DIN Alternate" charset="0"/>
+                <a:ea typeface="DIN Alternate" charset="0"/>
+                <a:cs typeface="DIN Alternate" charset="0"/>
+              </a:rPr>
+              <a:t>CSS – basics</a:t>
+            </a:r>
+          </a:p>
+          <a:p>
+            <a:pPr marL="514350" indent="-514350">
+              <a:lnSpc>
+                <a:spcPct val="150000"/>
+              </a:lnSpc>
+              <a:buFont typeface="+mj-lt"/>
+              <a:buAutoNum type="arabicPeriod"/>
+            </a:pPr>
+            <a:r>
+              <a:rPr lang="en-US" sz="2800" dirty="0">
+                <a:solidFill>
+                  <a:srgbClr val="92D050"/>
+                </a:solidFill>
+                <a:latin typeface="DIN Alternate" charset="0"/>
+                <a:ea typeface="DIN Alternate" charset="0"/>
+                <a:cs typeface="DIN Alternate" charset="0"/>
+              </a:rPr>
+              <a:t>CSS - </a:t>
+            </a:r>
+            <a:r>
+              <a:rPr lang="en-US" sz="2800" dirty="0" smtClean="0">
+                <a:solidFill>
+                  <a:srgbClr val="92D050"/>
+                </a:solidFill>
+                <a:latin typeface="DIN Alternate" charset="0"/>
+                <a:ea typeface="DIN Alternate" charset="0"/>
+                <a:cs typeface="DIN Alternate" charset="0"/>
+              </a:rPr>
+              <a:t>intermediate</a:t>
+            </a:r>
+          </a:p>
+          <a:p>
+            <a:pPr marL="514350" indent="-514350">
+              <a:lnSpc>
+                <a:spcPct val="150000"/>
+              </a:lnSpc>
+              <a:buFont typeface="+mj-lt"/>
+              <a:buAutoNum type="arabicPeriod"/>
+            </a:pPr>
+            <a:r>
+              <a:rPr lang="en-US" sz="2800" dirty="0" smtClean="0">
+                <a:solidFill>
+                  <a:schemeClr val="bg1"/>
+                </a:solidFill>
+                <a:latin typeface="DIN Alternate" charset="0"/>
+                <a:ea typeface="DIN Alternate" charset="0"/>
+                <a:cs typeface="DIN Alternate" charset="0"/>
+              </a:rPr>
+              <a:t>HTML – advanced</a:t>
+            </a:r>
+          </a:p>
+          <a:p>
+            <a:pPr marL="514350" indent="-514350">
+              <a:lnSpc>
+                <a:spcPct val="150000"/>
+              </a:lnSpc>
+              <a:buFont typeface="+mj-lt"/>
+              <a:buAutoNum type="arabicPeriod"/>
+            </a:pPr>
+            <a:r>
+              <a:rPr lang="en-US" sz="2800" dirty="0" err="1" smtClean="0">
+                <a:solidFill>
+                  <a:schemeClr val="bg1"/>
+                </a:solidFill>
+                <a:latin typeface="DIN Alternate" charset="0"/>
+                <a:ea typeface="DIN Alternate" charset="0"/>
+                <a:cs typeface="DIN Alternate" charset="0"/>
+              </a:rPr>
+              <a:t>Heroku</a:t>
+            </a:r>
+            <a:r>
+              <a:rPr lang="en-US" sz="2800" dirty="0" smtClean="0">
+                <a:solidFill>
+                  <a:schemeClr val="bg1"/>
+                </a:solidFill>
+                <a:latin typeface="DIN Alternate" charset="0"/>
+                <a:ea typeface="DIN Alternate" charset="0"/>
+                <a:cs typeface="DIN Alternate" charset="0"/>
+              </a:rPr>
+              <a:t> </a:t>
+            </a:r>
+            <a:r>
+              <a:rPr lang="en-US" sz="2800" dirty="0">
+                <a:solidFill>
+                  <a:schemeClr val="bg1"/>
+                </a:solidFill>
+                <a:latin typeface="DIN Alternate" charset="0"/>
+                <a:ea typeface="DIN Alternate" charset="0"/>
+                <a:cs typeface="DIN Alternate" charset="0"/>
+              </a:rPr>
+              <a:t>/ JS (jQuery) - basics</a:t>
+            </a:r>
+          </a:p>
+        </p:txBody>
+      </p:sp>
+      <p:sp>
+        <p:nvSpPr>
+          <p:cNvPr id="2" name="TextBox 1"/>
+          <p:cNvSpPr txBox="1"/>
+          <p:nvPr/>
+        </p:nvSpPr>
+        <p:spPr>
+          <a:xfrm>
+            <a:off x="6809875" y="3574450"/>
+            <a:ext cx="6091990" cy="2031325"/>
+          </a:xfrm>
+          <a:prstGeom prst="rect">
+            <a:avLst/>
+          </a:prstGeom>
+          <a:noFill/>
+        </p:spPr>
+        <p:txBody>
+          <a:bodyPr wrap="square" rtlCol="0">
+            <a:spAutoFit/>
+          </a:bodyPr>
+          <a:lstStyle/>
+          <a:p>
+            <a:pPr marL="457200" indent="-457200">
+              <a:lnSpc>
+                <a:spcPct val="150000"/>
+              </a:lnSpc>
+              <a:buFont typeface="Arial" charset="0"/>
+              <a:buChar char="•"/>
+            </a:pPr>
+            <a:r>
+              <a:rPr lang="en-US" sz="2800" dirty="0" smtClean="0">
+                <a:solidFill>
+                  <a:schemeClr val="bg1"/>
+                </a:solidFill>
+                <a:latin typeface="DIN Alternate" charset="0"/>
+                <a:ea typeface="DIN Alternate" charset="0"/>
+                <a:cs typeface="DIN Alternate" charset="0"/>
+              </a:rPr>
+              <a:t>Custom </a:t>
+            </a:r>
+            <a:r>
+              <a:rPr lang="en-US" sz="2800" dirty="0">
+                <a:solidFill>
+                  <a:schemeClr val="bg1"/>
+                </a:solidFill>
+                <a:latin typeface="DIN Alternate" charset="0"/>
+                <a:ea typeface="DIN Alternate" charset="0"/>
+                <a:cs typeface="DIN Alternate" charset="0"/>
+              </a:rPr>
+              <a:t>Fonts (15 mins)</a:t>
+            </a:r>
+          </a:p>
+          <a:p>
+            <a:pPr marL="457200" indent="-457200">
+              <a:lnSpc>
+                <a:spcPct val="150000"/>
+              </a:lnSpc>
+              <a:buFont typeface="Arial" charset="0"/>
+              <a:buChar char="•"/>
+            </a:pPr>
+            <a:r>
+              <a:rPr lang="en-US" sz="2800" dirty="0">
+                <a:solidFill>
+                  <a:schemeClr val="bg1"/>
+                </a:solidFill>
+                <a:latin typeface="DIN Alternate" charset="0"/>
+                <a:ea typeface="DIN Alternate" charset="0"/>
+                <a:cs typeface="DIN Alternate" charset="0"/>
+              </a:rPr>
+              <a:t>Background Images (15mins)</a:t>
+            </a:r>
+          </a:p>
+          <a:p>
+            <a:pPr marL="457200" indent="-457200">
+              <a:lnSpc>
+                <a:spcPct val="150000"/>
+              </a:lnSpc>
+              <a:buFont typeface="Arial" charset="0"/>
+              <a:buChar char="•"/>
+            </a:pPr>
+            <a:r>
+              <a:rPr lang="en-US" sz="2800" dirty="0">
+                <a:solidFill>
+                  <a:schemeClr val="bg1"/>
+                </a:solidFill>
+                <a:latin typeface="DIN Alternate" charset="0"/>
+                <a:ea typeface="DIN Alternate" charset="0"/>
+                <a:cs typeface="DIN Alternate" charset="0"/>
+              </a:rPr>
+              <a:t>Media Queries (15mins)</a:t>
+            </a:r>
+          </a:p>
+        </p:txBody>
+      </p:sp>
+      <p:cxnSp>
+        <p:nvCxnSpPr>
+          <p:cNvPr id="5" name="Straight Connector 4"/>
+          <p:cNvCxnSpPr/>
+          <p:nvPr/>
+        </p:nvCxnSpPr>
+        <p:spPr>
+          <a:xfrm>
+            <a:off x="4285512" y="3920933"/>
+            <a:ext cx="2392014" cy="0"/>
+          </a:xfrm>
+          <a:prstGeom prst="line">
+            <a:avLst/>
+          </a:prstGeom>
+          <a:ln>
+            <a:solidFill>
+              <a:srgbClr val="92D050"/>
+            </a:solidFill>
+          </a:ln>
+        </p:spPr>
+        <p:style>
+          <a:lnRef idx="1">
+            <a:schemeClr val="accent1"/>
+          </a:lnRef>
+          <a:fillRef idx="0">
+            <a:schemeClr val="accent1"/>
+          </a:fillRef>
+          <a:effectRef idx="0">
+            <a:schemeClr val="accent1"/>
+          </a:effectRef>
+          <a:fontRef idx="minor">
+            <a:schemeClr val="tx1"/>
+          </a:fontRef>
+        </p:style>
+      </p:cxnSp>
+    </p:spTree>
+    <p:extLst>
+      <p:ext uri="{BB962C8B-B14F-4D97-AF65-F5344CB8AC3E}">
+        <p14:creationId xmlns:p14="http://schemas.microsoft.com/office/powerpoint/2010/main" val="1938550699"/>
       </p:ext>
     </p:extLst>
   </p:cSld>
@@ -13956,7 +14087,62 @@
                 <a:ea typeface="DIN Alternate" charset="0"/>
                 <a:cs typeface="DIN Alternate" charset="0"/>
               </a:rPr>
-              <a:t>&gt; elements</a:t>
+              <a:t> </a:t>
+            </a:r>
+            <a:r>
+              <a:rPr lang="en-US" sz="2800" dirty="0" err="1" smtClean="0">
+                <a:solidFill>
+                  <a:schemeClr val="bg1"/>
+                </a:solidFill>
+                <a:latin typeface="DIN Alternate" charset="0"/>
+                <a:ea typeface="DIN Alternate" charset="0"/>
+                <a:cs typeface="DIN Alternate" charset="0"/>
+              </a:rPr>
+              <a:t>src</a:t>
+            </a:r>
+            <a:r>
+              <a:rPr lang="en-US" sz="2800" dirty="0" smtClean="0">
+                <a:solidFill>
+                  <a:schemeClr val="bg1"/>
+                </a:solidFill>
+                <a:latin typeface="DIN Alternate" charset="0"/>
+                <a:ea typeface="DIN Alternate" charset="0"/>
+                <a:cs typeface="DIN Alternate" charset="0"/>
+              </a:rPr>
+              <a:t>=“../path/</a:t>
+            </a:r>
+            <a:r>
+              <a:rPr lang="en-US" sz="2800" dirty="0" err="1" smtClean="0">
+                <a:solidFill>
+                  <a:schemeClr val="bg1"/>
+                </a:solidFill>
+                <a:latin typeface="DIN Alternate" charset="0"/>
+                <a:ea typeface="DIN Alternate" charset="0"/>
+                <a:cs typeface="DIN Alternate" charset="0"/>
+              </a:rPr>
+              <a:t>image.jpg</a:t>
+            </a:r>
+            <a:r>
+              <a:rPr lang="en-US" sz="2800" dirty="0" smtClean="0">
+                <a:solidFill>
+                  <a:schemeClr val="bg1"/>
+                </a:solidFill>
+                <a:latin typeface="DIN Alternate" charset="0"/>
+                <a:ea typeface="DIN Alternate" charset="0"/>
+                <a:cs typeface="DIN Alternate" charset="0"/>
+              </a:rPr>
+              <a:t>”&gt; </a:t>
+            </a:r>
+            <a:r>
+              <a:rPr lang="en-US" sz="2800" dirty="0" smtClean="0">
+                <a:solidFill>
+                  <a:schemeClr val="bg1"/>
+                </a:solidFill>
+                <a:latin typeface="DIN Alternate" charset="0"/>
+                <a:ea typeface="DIN Alternate" charset="0"/>
+                <a:cs typeface="DIN Alternate" charset="0"/>
+              </a:rPr>
+              <a:t>elements</a:t>
             </a:r>
           </a:p>
           <a:p>
